--- a/中越詩歌/聖善夜_Đêm thánh.pptx
+++ b/中越詩歌/聖善夜_Đêm thánh.pptx
@@ -15,30 +15,27 @@
     <p:sldId id="264" r:id="rId9"/>
     <p:sldId id="265" r:id="rId10"/>
     <p:sldId id="266" r:id="rId11"/>
-    <p:sldId id="267" r:id="rId12"/>
-    <p:sldId id="268" r:id="rId13"/>
-    <p:sldId id="269" r:id="rId14"/>
-    <p:sldId id="270" r:id="rId15"/>
-    <p:sldId id="271" r:id="rId16"/>
-    <p:sldId id="272" r:id="rId17"/>
-    <p:sldId id="273" r:id="rId18"/>
-    <p:sldId id="274" r:id="rId19"/>
-    <p:sldId id="275" r:id="rId20"/>
+    <p:sldId id="295" r:id="rId12"/>
+    <p:sldId id="296" r:id="rId13"/>
+    <p:sldId id="297" r:id="rId14"/>
+    <p:sldId id="298" r:id="rId15"/>
+    <p:sldId id="299" r:id="rId16"/>
+    <p:sldId id="300" r:id="rId17"/>
+    <p:sldId id="301" r:id="rId18"/>
+    <p:sldId id="302" r:id="rId19"/>
+    <p:sldId id="303" r:id="rId20"/>
     <p:sldId id="276" r:id="rId21"/>
     <p:sldId id="277" r:id="rId22"/>
     <p:sldId id="278" r:id="rId23"/>
     <p:sldId id="279" r:id="rId24"/>
-    <p:sldId id="280" r:id="rId25"/>
-    <p:sldId id="281" r:id="rId26"/>
-    <p:sldId id="282" r:id="rId27"/>
-    <p:sldId id="283" r:id="rId28"/>
+    <p:sldId id="291" r:id="rId25"/>
+    <p:sldId id="292" r:id="rId26"/>
+    <p:sldId id="293" r:id="rId27"/>
+    <p:sldId id="294" r:id="rId28"/>
     <p:sldId id="284" r:id="rId29"/>
     <p:sldId id="285" r:id="rId30"/>
     <p:sldId id="286" r:id="rId31"/>
-    <p:sldId id="287" r:id="rId32"/>
-    <p:sldId id="288" r:id="rId33"/>
-    <p:sldId id="289" r:id="rId34"/>
-    <p:sldId id="290" r:id="rId35"/>
+    <p:sldId id="290" r:id="rId32"/>
   </p:sldIdLst>
   <p:sldSz cx="12192000" cy="6858000"/>
   <p:notesSz cx="6858000" cy="9144000"/>
@@ -137,6 +134,11 @@
       </a:defRPr>
     </a:lvl9pPr>
   </p:defaultTextStyle>
+  <p:extLst>
+    <p:ext uri="{EFAFB233-063F-42B5-8137-9DF3F51BA10A}">
+      <p15:sldGuideLst xmlns:p15="http://schemas.microsoft.com/office/powerpoint/2012/main"/>
+    </p:ext>
+  </p:extLst>
 </p:presentation>
 </file>
 
@@ -321,7 +323,7 @@
           <a:p>
             <a:fld id="{96DA6C82-B207-4B62-AB51-793680AF6439}" type="datetimeFigureOut">
               <a:rPr lang="vi-VN" smtClean="0"/>
-              <a:t>13/12/2021</a:t>
+              <a:t>20/12/2022</a:t>
             </a:fld>
             <a:endParaRPr lang="vi-VN"/>
           </a:p>
@@ -491,7 +493,7 @@
           <a:p>
             <a:fld id="{96DA6C82-B207-4B62-AB51-793680AF6439}" type="datetimeFigureOut">
               <a:rPr lang="vi-VN" smtClean="0"/>
-              <a:t>13/12/2021</a:t>
+              <a:t>20/12/2022</a:t>
             </a:fld>
             <a:endParaRPr lang="vi-VN"/>
           </a:p>
@@ -671,7 +673,7 @@
           <a:p>
             <a:fld id="{96DA6C82-B207-4B62-AB51-793680AF6439}" type="datetimeFigureOut">
               <a:rPr lang="vi-VN" smtClean="0"/>
-              <a:t>13/12/2021</a:t>
+              <a:t>20/12/2022</a:t>
             </a:fld>
             <a:endParaRPr lang="vi-VN"/>
           </a:p>
@@ -841,7 +843,7 @@
           <a:p>
             <a:fld id="{96DA6C82-B207-4B62-AB51-793680AF6439}" type="datetimeFigureOut">
               <a:rPr lang="vi-VN" smtClean="0"/>
-              <a:t>13/12/2021</a:t>
+              <a:t>20/12/2022</a:t>
             </a:fld>
             <a:endParaRPr lang="vi-VN"/>
           </a:p>
@@ -1087,7 +1089,7 @@
           <a:p>
             <a:fld id="{96DA6C82-B207-4B62-AB51-793680AF6439}" type="datetimeFigureOut">
               <a:rPr lang="vi-VN" smtClean="0"/>
-              <a:t>13/12/2021</a:t>
+              <a:t>20/12/2022</a:t>
             </a:fld>
             <a:endParaRPr lang="vi-VN"/>
           </a:p>
@@ -1375,7 +1377,7 @@
           <a:p>
             <a:fld id="{96DA6C82-B207-4B62-AB51-793680AF6439}" type="datetimeFigureOut">
               <a:rPr lang="vi-VN" smtClean="0"/>
-              <a:t>13/12/2021</a:t>
+              <a:t>20/12/2022</a:t>
             </a:fld>
             <a:endParaRPr lang="vi-VN"/>
           </a:p>
@@ -1797,7 +1799,7 @@
           <a:p>
             <a:fld id="{96DA6C82-B207-4B62-AB51-793680AF6439}" type="datetimeFigureOut">
               <a:rPr lang="vi-VN" smtClean="0"/>
-              <a:t>13/12/2021</a:t>
+              <a:t>20/12/2022</a:t>
             </a:fld>
             <a:endParaRPr lang="vi-VN"/>
           </a:p>
@@ -1915,7 +1917,7 @@
           <a:p>
             <a:fld id="{96DA6C82-B207-4B62-AB51-793680AF6439}" type="datetimeFigureOut">
               <a:rPr lang="vi-VN" smtClean="0"/>
-              <a:t>13/12/2021</a:t>
+              <a:t>20/12/2022</a:t>
             </a:fld>
             <a:endParaRPr lang="vi-VN"/>
           </a:p>
@@ -2010,7 +2012,7 @@
           <a:p>
             <a:fld id="{96DA6C82-B207-4B62-AB51-793680AF6439}" type="datetimeFigureOut">
               <a:rPr lang="vi-VN" smtClean="0"/>
-              <a:t>13/12/2021</a:t>
+              <a:t>20/12/2022</a:t>
             </a:fld>
             <a:endParaRPr lang="vi-VN"/>
           </a:p>
@@ -2287,7 +2289,7 @@
           <a:p>
             <a:fld id="{96DA6C82-B207-4B62-AB51-793680AF6439}" type="datetimeFigureOut">
               <a:rPr lang="vi-VN" smtClean="0"/>
-              <a:t>13/12/2021</a:t>
+              <a:t>20/12/2022</a:t>
             </a:fld>
             <a:endParaRPr lang="vi-VN"/>
           </a:p>
@@ -2544,7 +2546,7 @@
           <a:p>
             <a:fld id="{96DA6C82-B207-4B62-AB51-793680AF6439}" type="datetimeFigureOut">
               <a:rPr lang="vi-VN" smtClean="0"/>
-              <a:t>13/12/2021</a:t>
+              <a:t>20/12/2022</a:t>
             </a:fld>
             <a:endParaRPr lang="vi-VN"/>
           </a:p>
@@ -2762,7 +2764,7 @@
           <a:p>
             <a:fld id="{96DA6C82-B207-4B62-AB51-793680AF6439}" type="datetimeFigureOut">
               <a:rPr lang="vi-VN" smtClean="0"/>
-              <a:t>13/12/2021</a:t>
+              <a:t>20/12/2022</a:t>
             </a:fld>
             <a:endParaRPr lang="vi-VN"/>
           </a:p>
@@ -3676,29 +3678,29 @@
               <a:t>, </a:t>
             </a:r>
             <a:r>
-              <a:rPr lang="vi-VN" sz="4000" b="1" dirty="0" err="1">
-                <a:solidFill>
-                  <a:srgbClr val="000066"/>
-                </a:solidFill>
-                <a:latin typeface="Calibri" panose="020F0502020204030204" pitchFamily="34" charset="0"/>
-                <a:ea typeface="微軟正黑體" pitchFamily="34" charset="-120"/>
-                <a:cs typeface="Calibri" panose="020F0502020204030204" pitchFamily="34" charset="0"/>
-              </a:rPr>
-              <a:t>ấ</a:t>
-            </a:r>
-            <a:r>
-              <a:rPr lang="fr-FR" sz="4000" b="1" dirty="0" smtClean="0">
-                <a:solidFill>
-                  <a:srgbClr val="000066"/>
-                </a:solidFill>
-                <a:latin typeface="Calibri" panose="020F0502020204030204" pitchFamily="34" charset="0"/>
-                <a:ea typeface="微軟正黑體" pitchFamily="34" charset="-120"/>
-                <a:cs typeface="Calibri" panose="020F0502020204030204" pitchFamily="34" charset="0"/>
-              </a:rPr>
-              <a:t>y </a:t>
-            </a:r>
-            <a:r>
-              <a:rPr lang="fr-FR" sz="4000" b="1" dirty="0" err="1">
+              <a:rPr lang="en-US" sz="4000" b="1" dirty="0" err="1" smtClean="0">
+                <a:solidFill>
+                  <a:srgbClr val="000066"/>
+                </a:solidFill>
+                <a:latin typeface="Calibri" panose="020F0502020204030204" pitchFamily="34" charset="0"/>
+                <a:ea typeface="微軟正黑體" pitchFamily="34" charset="-120"/>
+                <a:cs typeface="Calibri" panose="020F0502020204030204" pitchFamily="34" charset="0"/>
+              </a:rPr>
+              <a:t>chính</a:t>
+            </a:r>
+            <a:r>
+              <a:rPr lang="en-US" sz="4000" b="1" dirty="0">
+                <a:solidFill>
+                  <a:srgbClr val="000066"/>
+                </a:solidFill>
+                <a:latin typeface="Calibri" panose="020F0502020204030204" pitchFamily="34" charset="0"/>
+                <a:ea typeface="微軟正黑體" pitchFamily="34" charset="-120"/>
+                <a:cs typeface="Calibri" panose="020F0502020204030204" pitchFamily="34" charset="0"/>
+              </a:rPr>
+              <a:t> </a:t>
+            </a:r>
+            <a:r>
+              <a:rPr lang="en-US" sz="4000" b="1" dirty="0" err="1">
                 <a:solidFill>
                   <a:srgbClr val="000066"/>
                 </a:solidFill>
@@ -3709,62 +3711,40 @@
               <a:t>đêm</a:t>
             </a:r>
             <a:r>
-              <a:rPr lang="fr-FR" sz="4000" b="1" dirty="0">
-                <a:solidFill>
-                  <a:srgbClr val="000066"/>
-                </a:solidFill>
-                <a:latin typeface="Calibri" panose="020F0502020204030204" pitchFamily="34" charset="0"/>
-                <a:ea typeface="微軟正黑體" pitchFamily="34" charset="-120"/>
-                <a:cs typeface="Calibri" panose="020F0502020204030204" pitchFamily="34" charset="0"/>
-              </a:rPr>
-              <a:t> </a:t>
-            </a:r>
-            <a:r>
-              <a:rPr lang="fr-FR" sz="4000" b="1" dirty="0" err="1">
-                <a:solidFill>
-                  <a:srgbClr val="000066"/>
-                </a:solidFill>
-                <a:latin typeface="Calibri" panose="020F0502020204030204" pitchFamily="34" charset="0"/>
-                <a:ea typeface="微軟正黑體" pitchFamily="34" charset="-120"/>
-                <a:cs typeface="Calibri" panose="020F0502020204030204" pitchFamily="34" charset="0"/>
-              </a:rPr>
-              <a:t>Thần</a:t>
-            </a:r>
-            <a:r>
-              <a:rPr lang="fr-FR" sz="4000" b="1" dirty="0">
-                <a:solidFill>
-                  <a:srgbClr val="000066"/>
-                </a:solidFill>
-                <a:latin typeface="Calibri" panose="020F0502020204030204" pitchFamily="34" charset="0"/>
-                <a:ea typeface="微軟正黑體" pitchFamily="34" charset="-120"/>
-                <a:cs typeface="Calibri" panose="020F0502020204030204" pitchFamily="34" charset="0"/>
-              </a:rPr>
-              <a:t> </a:t>
-            </a:r>
-            <a:r>
-              <a:rPr lang="fr-FR" sz="4000" b="1" dirty="0" err="1">
-                <a:solidFill>
-                  <a:srgbClr val="000066"/>
-                </a:solidFill>
-                <a:latin typeface="Calibri" panose="020F0502020204030204" pitchFamily="34" charset="0"/>
-                <a:ea typeface="微軟正黑體" pitchFamily="34" charset="-120"/>
-                <a:cs typeface="Calibri" panose="020F0502020204030204" pitchFamily="34" charset="0"/>
-              </a:rPr>
-              <a:t>Tử</a:t>
-            </a:r>
-            <a:r>
-              <a:rPr lang="fr-FR" sz="4000" b="1" dirty="0">
-                <a:solidFill>
-                  <a:srgbClr val="000066"/>
-                </a:solidFill>
-                <a:latin typeface="Calibri" panose="020F0502020204030204" pitchFamily="34" charset="0"/>
-                <a:ea typeface="微軟正黑體" pitchFamily="34" charset="-120"/>
-                <a:cs typeface="Calibri" panose="020F0502020204030204" pitchFamily="34" charset="0"/>
-              </a:rPr>
-              <a:t> </a:t>
-            </a:r>
-            <a:r>
-              <a:rPr lang="fr-FR" sz="4000" b="1" dirty="0" err="1">
+              <a:rPr lang="en-US" sz="4000" b="1" dirty="0">
+                <a:solidFill>
+                  <a:srgbClr val="000066"/>
+                </a:solidFill>
+                <a:latin typeface="Calibri" panose="020F0502020204030204" pitchFamily="34" charset="0"/>
+                <a:ea typeface="微軟正黑體" pitchFamily="34" charset="-120"/>
+                <a:cs typeface="Calibri" panose="020F0502020204030204" pitchFamily="34" charset="0"/>
+              </a:rPr>
+              <a:t> </a:t>
+            </a:r>
+            <a:r>
+              <a:rPr lang="en-US" sz="4000" b="1" dirty="0" err="1">
+                <a:solidFill>
+                  <a:srgbClr val="000066"/>
+                </a:solidFill>
+                <a:latin typeface="Calibri" panose="020F0502020204030204" pitchFamily="34" charset="0"/>
+                <a:ea typeface="微軟正黑體" pitchFamily="34" charset="-120"/>
+                <a:cs typeface="Calibri" panose="020F0502020204030204" pitchFamily="34" charset="0"/>
+              </a:rPr>
+              <a:t>Jê-sus</a:t>
+            </a:r>
+            <a:r>
+              <a:rPr lang="en-US" sz="4000" b="1" dirty="0">
+                <a:solidFill>
+                  <a:srgbClr val="000066"/>
+                </a:solidFill>
+                <a:latin typeface="Calibri" panose="020F0502020204030204" pitchFamily="34" charset="0"/>
+                <a:ea typeface="微軟正黑體" pitchFamily="34" charset="-120"/>
+                <a:cs typeface="Calibri" panose="020F0502020204030204" pitchFamily="34" charset="0"/>
+              </a:rPr>
+              <a:t> </a:t>
+            </a:r>
+            <a:r>
+              <a:rPr lang="en-US" sz="4000" b="1" dirty="0" err="1">
                 <a:solidFill>
                   <a:srgbClr val="000066"/>
                 </a:solidFill>
@@ -3775,18 +3755,18 @@
               <a:t>giáng</a:t>
             </a:r>
             <a:r>
-              <a:rPr lang="fr-FR" sz="4000" b="1" dirty="0">
-                <a:solidFill>
-                  <a:srgbClr val="000066"/>
-                </a:solidFill>
-                <a:latin typeface="Calibri" panose="020F0502020204030204" pitchFamily="34" charset="0"/>
-                <a:ea typeface="微軟正黑體" pitchFamily="34" charset="-120"/>
-                <a:cs typeface="Calibri" panose="020F0502020204030204" pitchFamily="34" charset="0"/>
-              </a:rPr>
-              <a:t> </a:t>
-            </a:r>
-            <a:r>
-              <a:rPr lang="fr-FR" sz="4000" b="1" dirty="0" err="1">
+              <a:rPr lang="en-US" sz="4000" b="1" dirty="0">
+                <a:solidFill>
+                  <a:srgbClr val="000066"/>
+                </a:solidFill>
+                <a:latin typeface="Calibri" panose="020F0502020204030204" pitchFamily="34" charset="0"/>
+                <a:ea typeface="微軟正黑體" pitchFamily="34" charset="-120"/>
+                <a:cs typeface="Calibri" panose="020F0502020204030204" pitchFamily="34" charset="0"/>
+              </a:rPr>
+              <a:t> </a:t>
+            </a:r>
+            <a:r>
+              <a:rPr lang="en-US" sz="4000" b="1" dirty="0" err="1">
                 <a:solidFill>
                   <a:srgbClr val="000066"/>
                 </a:solidFill>
@@ -4237,37 +4217,37 @@
               <a:t> soi </a:t>
             </a:r>
             <a:r>
-              <a:rPr lang="fr-FR" sz="4000" b="1" dirty="0" err="1">
-                <a:solidFill>
-                  <a:srgbClr val="000066"/>
-                </a:solidFill>
-                <a:latin typeface="Calibri" panose="020F0502020204030204" pitchFamily="34" charset="0"/>
-                <a:ea typeface="微軟正黑體" pitchFamily="34" charset="-120"/>
-                <a:cs typeface="Calibri" panose="020F0502020204030204" pitchFamily="34" charset="0"/>
-              </a:rPr>
-              <a:t>sáng</a:t>
-            </a:r>
-            <a:r>
-              <a:rPr lang="fr-FR" sz="4000" b="1" dirty="0">
-                <a:solidFill>
-                  <a:srgbClr val="000066"/>
-                </a:solidFill>
-                <a:latin typeface="Calibri" panose="020F0502020204030204" pitchFamily="34" charset="0"/>
-                <a:ea typeface="微軟正黑體" pitchFamily="34" charset="-120"/>
-                <a:cs typeface="Calibri" panose="020F0502020204030204" pitchFamily="34" charset="0"/>
-              </a:rPr>
-              <a:t> </a:t>
-            </a:r>
-            <a:r>
-              <a:rPr lang="fr-FR" sz="4000" b="1" dirty="0" err="1">
-                <a:solidFill>
-                  <a:srgbClr val="000066"/>
-                </a:solidFill>
-                <a:latin typeface="Calibri" panose="020F0502020204030204" pitchFamily="34" charset="0"/>
-                <a:ea typeface="微軟正黑體" pitchFamily="34" charset="-120"/>
-                <a:cs typeface="Calibri" panose="020F0502020204030204" pitchFamily="34" charset="0"/>
-              </a:rPr>
-              <a:t>choang</a:t>
+              <a:rPr lang="en-US" sz="4000" b="1" dirty="0" err="1">
+                <a:solidFill>
+                  <a:srgbClr val="000066"/>
+                </a:solidFill>
+                <a:latin typeface="Calibri" panose="020F0502020204030204" pitchFamily="34" charset="0"/>
+                <a:ea typeface="微軟正黑體" pitchFamily="34" charset="-120"/>
+                <a:cs typeface="Calibri" panose="020F0502020204030204" pitchFamily="34" charset="0"/>
+              </a:rPr>
+              <a:t>thánh</a:t>
+            </a:r>
+            <a:r>
+              <a:rPr lang="en-US" sz="4000" b="1" dirty="0">
+                <a:solidFill>
+                  <a:srgbClr val="000066"/>
+                </a:solidFill>
+                <a:latin typeface="Calibri" panose="020F0502020204030204" pitchFamily="34" charset="0"/>
+                <a:ea typeface="微軟正黑體" pitchFamily="34" charset="-120"/>
+                <a:cs typeface="Calibri" panose="020F0502020204030204" pitchFamily="34" charset="0"/>
+              </a:rPr>
+              <a:t> </a:t>
+            </a:r>
+            <a:r>
+              <a:rPr lang="en-US" sz="4000" b="1" dirty="0" err="1">
+                <a:solidFill>
+                  <a:srgbClr val="000066"/>
+                </a:solidFill>
+                <a:latin typeface="Calibri" panose="020F0502020204030204" pitchFamily="34" charset="0"/>
+                <a:ea typeface="微軟正黑體" pitchFamily="34" charset="-120"/>
+                <a:cs typeface="Calibri" panose="020F0502020204030204" pitchFamily="34" charset="0"/>
+              </a:rPr>
+              <a:t>quang</a:t>
             </a:r>
             <a:endParaRPr lang="en-US" altLang="zh-TW" sz="4000" b="1" dirty="0">
               <a:solidFill>
@@ -4283,7 +4263,7 @@
     </p:spTree>
     <p:extLst>
       <p:ext uri="{BB962C8B-B14F-4D97-AF65-F5344CB8AC3E}">
-        <p14:creationId xmlns:p14="http://schemas.microsoft.com/office/powerpoint/2010/main" val="1028406106"/>
+        <p14:creationId xmlns:p14="http://schemas.microsoft.com/office/powerpoint/2010/main" val="2987064243"/>
       </p:ext>
     </p:extLst>
   </p:cSld>
@@ -4711,18 +4691,18 @@
               <a:t> </a:t>
             </a:r>
             <a:r>
-              <a:rPr lang="fr-FR" sz="4000" b="1" dirty="0" err="1">
-                <a:solidFill>
-                  <a:srgbClr val="000066"/>
-                </a:solidFill>
-                <a:latin typeface="Calibri" panose="020F0502020204030204" pitchFamily="34" charset="0"/>
-                <a:ea typeface="微軟正黑體" pitchFamily="34" charset="-120"/>
-                <a:cs typeface="Calibri" panose="020F0502020204030204" pitchFamily="34" charset="0"/>
-              </a:rPr>
-              <a:t>kinh</a:t>
-            </a:r>
-            <a:r>
-              <a:rPr lang="fr-FR" sz="4000" b="1" dirty="0">
+              <a:rPr lang="fr-FR" sz="4000" b="1" dirty="0" err="1" smtClean="0">
+                <a:solidFill>
+                  <a:srgbClr val="000066"/>
+                </a:solidFill>
+                <a:latin typeface="Calibri" panose="020F0502020204030204" pitchFamily="34" charset="0"/>
+                <a:ea typeface="微軟正黑體" pitchFamily="34" charset="-120"/>
+                <a:cs typeface="Calibri" panose="020F0502020204030204" pitchFamily="34" charset="0"/>
+              </a:rPr>
+              <a:t>huy</a:t>
+            </a:r>
+            <a:r>
+              <a:rPr lang="fr-FR" sz="4000" b="1" dirty="0" smtClean="0">
                 <a:solidFill>
                   <a:srgbClr val="000066"/>
                 </a:solidFill>
@@ -4757,7 +4737,7 @@
     </p:spTree>
     <p:extLst>
       <p:ext uri="{BB962C8B-B14F-4D97-AF65-F5344CB8AC3E}">
-        <p14:creationId xmlns:p14="http://schemas.microsoft.com/office/powerpoint/2010/main" val="771824639"/>
+        <p14:creationId xmlns:p14="http://schemas.microsoft.com/office/powerpoint/2010/main" val="2280715829"/>
       </p:ext>
     </p:extLst>
   </p:cSld>
@@ -5264,7 +5244,7 @@
     </p:spTree>
     <p:extLst>
       <p:ext uri="{BB962C8B-B14F-4D97-AF65-F5344CB8AC3E}">
-        <p14:creationId xmlns:p14="http://schemas.microsoft.com/office/powerpoint/2010/main" val="395898035"/>
+        <p14:creationId xmlns:p14="http://schemas.microsoft.com/office/powerpoint/2010/main" val="1909160630"/>
       </p:ext>
     </p:extLst>
   </p:cSld>
@@ -5738,7 +5718,7 @@
     </p:spTree>
     <p:extLst>
       <p:ext uri="{BB962C8B-B14F-4D97-AF65-F5344CB8AC3E}">
-        <p14:creationId xmlns:p14="http://schemas.microsoft.com/office/powerpoint/2010/main" val="2764494735"/>
+        <p14:creationId xmlns:p14="http://schemas.microsoft.com/office/powerpoint/2010/main" val="2679492436"/>
       </p:ext>
     </p:extLst>
   </p:cSld>
@@ -6234,7 +6214,7 @@
     </p:spTree>
     <p:extLst>
       <p:ext uri="{BB962C8B-B14F-4D97-AF65-F5344CB8AC3E}">
-        <p14:creationId xmlns:p14="http://schemas.microsoft.com/office/powerpoint/2010/main" val="3293414048"/>
+        <p14:creationId xmlns:p14="http://schemas.microsoft.com/office/powerpoint/2010/main" val="3572078452"/>
       </p:ext>
     </p:extLst>
   </p:cSld>
@@ -6673,37 +6653,37 @@
               <a:t> </a:t>
             </a:r>
             <a:r>
-              <a:rPr lang="fr-FR" sz="4000" b="1" dirty="0" err="1">
-                <a:solidFill>
-                  <a:srgbClr val="000066"/>
-                </a:solidFill>
-                <a:latin typeface="Calibri" panose="020F0502020204030204" pitchFamily="34" charset="0"/>
-                <a:ea typeface="微軟正黑體" pitchFamily="34" charset="-120"/>
-                <a:cs typeface="Calibri" panose="020F0502020204030204" pitchFamily="34" charset="0"/>
-              </a:rPr>
-              <a:t>bình</a:t>
-            </a:r>
-            <a:r>
-              <a:rPr lang="fr-FR" sz="4000" b="1" dirty="0">
-                <a:solidFill>
-                  <a:srgbClr val="000066"/>
-                </a:solidFill>
-                <a:latin typeface="Calibri" panose="020F0502020204030204" pitchFamily="34" charset="0"/>
-                <a:ea typeface="微軟正黑體" pitchFamily="34" charset="-120"/>
-                <a:cs typeface="Calibri" panose="020F0502020204030204" pitchFamily="34" charset="0"/>
-              </a:rPr>
-              <a:t> </a:t>
-            </a:r>
-            <a:r>
-              <a:rPr lang="fr-FR" sz="4000" b="1" dirty="0" err="1">
-                <a:solidFill>
-                  <a:srgbClr val="000066"/>
-                </a:solidFill>
-                <a:latin typeface="Calibri" panose="020F0502020204030204" pitchFamily="34" charset="0"/>
-                <a:ea typeface="微軟正黑體" pitchFamily="34" charset="-120"/>
-                <a:cs typeface="Calibri" panose="020F0502020204030204" pitchFamily="34" charset="0"/>
-              </a:rPr>
-              <a:t>minh</a:t>
+              <a:rPr lang="en-US" sz="4000" b="1" dirty="0" err="1">
+                <a:solidFill>
+                  <a:srgbClr val="000066"/>
+                </a:solidFill>
+                <a:latin typeface="Calibri" panose="020F0502020204030204" pitchFamily="34" charset="0"/>
+                <a:ea typeface="微軟正黑體" pitchFamily="34" charset="-120"/>
+                <a:cs typeface="Calibri" panose="020F0502020204030204" pitchFamily="34" charset="0"/>
+              </a:rPr>
+              <a:t>diệu</a:t>
+            </a:r>
+            <a:r>
+              <a:rPr lang="en-US" sz="4000" b="1" dirty="0">
+                <a:solidFill>
+                  <a:srgbClr val="000066"/>
+                </a:solidFill>
+                <a:latin typeface="Calibri" panose="020F0502020204030204" pitchFamily="34" charset="0"/>
+                <a:ea typeface="微軟正黑體" pitchFamily="34" charset="-120"/>
+                <a:cs typeface="Calibri" panose="020F0502020204030204" pitchFamily="34" charset="0"/>
+              </a:rPr>
+              <a:t> </a:t>
+            </a:r>
+            <a:r>
+              <a:rPr lang="en-US" sz="4000" b="1" dirty="0" err="1">
+                <a:solidFill>
+                  <a:srgbClr val="000066"/>
+                </a:solidFill>
+                <a:latin typeface="Calibri" panose="020F0502020204030204" pitchFamily="34" charset="0"/>
+                <a:ea typeface="微軟正黑體" pitchFamily="34" charset="-120"/>
+                <a:cs typeface="Calibri" panose="020F0502020204030204" pitchFamily="34" charset="0"/>
+              </a:rPr>
+              <a:t>vinh</a:t>
             </a:r>
             <a:endParaRPr lang="en-US" altLang="zh-TW" sz="4000" b="1" dirty="0">
               <a:solidFill>
@@ -6719,7 +6699,7 @@
     </p:spTree>
     <p:extLst>
       <p:ext uri="{BB962C8B-B14F-4D97-AF65-F5344CB8AC3E}">
-        <p14:creationId xmlns:p14="http://schemas.microsoft.com/office/powerpoint/2010/main" val="4261827641"/>
+        <p14:creationId xmlns:p14="http://schemas.microsoft.com/office/powerpoint/2010/main" val="3593053548"/>
       </p:ext>
     </p:extLst>
   </p:cSld>
@@ -7004,18 +6984,18 @@
               <a:t> </a:t>
             </a:r>
             <a:r>
-              <a:rPr lang="fr-FR" sz="4000" b="1" dirty="0" err="1">
-                <a:solidFill>
-                  <a:srgbClr val="000066"/>
-                </a:solidFill>
-                <a:latin typeface="Calibri" panose="020F0502020204030204" pitchFamily="34" charset="0"/>
-                <a:ea typeface="微軟正黑體" pitchFamily="34" charset="-120"/>
-                <a:cs typeface="Calibri" panose="020F0502020204030204" pitchFamily="34" charset="0"/>
-              </a:rPr>
-              <a:t>sanh</a:t>
-            </a:r>
-            <a:r>
-              <a:rPr lang="fr-FR" sz="4000" b="1" dirty="0">
+              <a:rPr lang="fr-FR" sz="4000" b="1" dirty="0" err="1" smtClean="0">
+                <a:solidFill>
+                  <a:srgbClr val="000066"/>
+                </a:solidFill>
+                <a:latin typeface="Calibri" panose="020F0502020204030204" pitchFamily="34" charset="0"/>
+                <a:ea typeface="微軟正黑體" pitchFamily="34" charset="-120"/>
+                <a:cs typeface="Calibri" panose="020F0502020204030204" pitchFamily="34" charset="0"/>
+              </a:rPr>
+              <a:t>sinh</a:t>
+            </a:r>
+            <a:r>
+              <a:rPr lang="fr-FR" sz="4000" b="1" dirty="0" smtClean="0">
                 <a:solidFill>
                   <a:srgbClr val="000066"/>
                 </a:solidFill>
@@ -7237,7 +7217,7 @@
     </p:spTree>
     <p:extLst>
       <p:ext uri="{BB962C8B-B14F-4D97-AF65-F5344CB8AC3E}">
-        <p14:creationId xmlns:p14="http://schemas.microsoft.com/office/powerpoint/2010/main" val="3349105372"/>
+        <p14:creationId xmlns:p14="http://schemas.microsoft.com/office/powerpoint/2010/main" val="1685523713"/>
       </p:ext>
     </p:extLst>
   </p:cSld>
@@ -7606,7 +7586,40 @@
                 <a:ea typeface="微軟正黑體" pitchFamily="34" charset="-120"/>
                 <a:cs typeface="Calibri" panose="020F0502020204030204" pitchFamily="34" charset="0"/>
               </a:rPr>
-              <a:t>Ðêm</a:t>
+              <a:t>đ</a:t>
+            </a:r>
+            <a:r>
+              <a:rPr lang="fr-FR" sz="4000" b="1" dirty="0" err="1" smtClean="0">
+                <a:solidFill>
+                  <a:srgbClr val="000066"/>
+                </a:solidFill>
+                <a:latin typeface="Calibri" panose="020F0502020204030204" pitchFamily="34" charset="0"/>
+                <a:ea typeface="微軟正黑體" pitchFamily="34" charset="-120"/>
+                <a:cs typeface="Calibri" panose="020F0502020204030204" pitchFamily="34" charset="0"/>
+              </a:rPr>
+              <a:t>êm</a:t>
+            </a:r>
+            <a:r>
+              <a:rPr lang="fr-FR" sz="4000" b="1" dirty="0">
+                <a:solidFill>
+                  <a:srgbClr val="000066"/>
+                </a:solidFill>
+                <a:latin typeface="Calibri" panose="020F0502020204030204" pitchFamily="34" charset="0"/>
+                <a:ea typeface="微軟正黑體" pitchFamily="34" charset="-120"/>
+                <a:cs typeface="Calibri" panose="020F0502020204030204" pitchFamily="34" charset="0"/>
+              </a:rPr>
+              <a:t> </a:t>
+            </a:r>
+            <a:r>
+              <a:rPr lang="fr-FR" sz="4000" b="1" dirty="0" err="1">
+                <a:solidFill>
+                  <a:srgbClr val="000066"/>
+                </a:solidFill>
+                <a:latin typeface="Calibri" panose="020F0502020204030204" pitchFamily="34" charset="0"/>
+                <a:ea typeface="微軟正黑體" pitchFamily="34" charset="-120"/>
+                <a:cs typeface="Calibri" panose="020F0502020204030204" pitchFamily="34" charset="0"/>
+              </a:rPr>
+              <a:t>hòa</a:t>
             </a:r>
             <a:r>
               <a:rPr lang="fr-FR" sz="4000" b="1" dirty="0">
@@ -7631,29 +7644,7 @@
               <a:t>bình</a:t>
             </a:r>
             <a:r>
-              <a:rPr lang="fr-FR" sz="4000" b="1" dirty="0">
-                <a:solidFill>
-                  <a:srgbClr val="000066"/>
-                </a:solidFill>
-                <a:latin typeface="Calibri" panose="020F0502020204030204" pitchFamily="34" charset="0"/>
-                <a:ea typeface="微軟正黑體" pitchFamily="34" charset="-120"/>
-                <a:cs typeface="Calibri" panose="020F0502020204030204" pitchFamily="34" charset="0"/>
-              </a:rPr>
-              <a:t> </a:t>
-            </a:r>
-            <a:r>
-              <a:rPr lang="fr-FR" sz="4000" b="1" dirty="0" err="1">
-                <a:solidFill>
-                  <a:srgbClr val="000066"/>
-                </a:solidFill>
-                <a:latin typeface="Calibri" panose="020F0502020204030204" pitchFamily="34" charset="0"/>
-                <a:ea typeface="微軟正黑體" pitchFamily="34" charset="-120"/>
-                <a:cs typeface="Calibri" panose="020F0502020204030204" pitchFamily="34" charset="0"/>
-              </a:rPr>
-              <a:t>hòa</a:t>
-            </a:r>
-            <a:r>
-              <a:rPr lang="fr-FR" sz="4000" b="1" dirty="0">
+              <a:rPr lang="fr-FR" sz="4000" b="1" dirty="0" smtClean="0">
                 <a:solidFill>
                   <a:srgbClr val="000066"/>
                 </a:solidFill>
@@ -7710,7 +7701,7 @@
     </p:spTree>
     <p:extLst>
       <p:ext uri="{BB962C8B-B14F-4D97-AF65-F5344CB8AC3E}">
-        <p14:creationId xmlns:p14="http://schemas.microsoft.com/office/powerpoint/2010/main" val="3051550673"/>
+        <p14:creationId xmlns:p14="http://schemas.microsoft.com/office/powerpoint/2010/main" val="3689712746"/>
       </p:ext>
     </p:extLst>
   </p:cSld>
@@ -8071,29 +8062,29 @@
               <a:t>, </a:t>
             </a:r>
             <a:r>
-              <a:rPr lang="vi-VN" sz="4000" b="1" dirty="0" err="1">
-                <a:solidFill>
-                  <a:srgbClr val="000066"/>
-                </a:solidFill>
-                <a:latin typeface="Calibri" panose="020F0502020204030204" pitchFamily="34" charset="0"/>
-                <a:ea typeface="微軟正黑體" pitchFamily="34" charset="-120"/>
-                <a:cs typeface="Calibri" panose="020F0502020204030204" pitchFamily="34" charset="0"/>
-              </a:rPr>
-              <a:t>ấ</a:t>
-            </a:r>
-            <a:r>
-              <a:rPr lang="fr-FR" sz="4000" b="1" dirty="0" smtClean="0">
-                <a:solidFill>
-                  <a:srgbClr val="000066"/>
-                </a:solidFill>
-                <a:latin typeface="Calibri" panose="020F0502020204030204" pitchFamily="34" charset="0"/>
-                <a:ea typeface="微軟正黑體" pitchFamily="34" charset="-120"/>
-                <a:cs typeface="Calibri" panose="020F0502020204030204" pitchFamily="34" charset="0"/>
-              </a:rPr>
-              <a:t>y </a:t>
-            </a:r>
-            <a:r>
-              <a:rPr lang="fr-FR" sz="4000" b="1" dirty="0" err="1">
+              <a:rPr lang="en-US" sz="4000" b="1" dirty="0" err="1" smtClean="0">
+                <a:solidFill>
+                  <a:srgbClr val="000066"/>
+                </a:solidFill>
+                <a:latin typeface="Calibri" panose="020F0502020204030204" pitchFamily="34" charset="0"/>
+                <a:ea typeface="微軟正黑體" pitchFamily="34" charset="-120"/>
+                <a:cs typeface="Calibri" panose="020F0502020204030204" pitchFamily="34" charset="0"/>
+              </a:rPr>
+              <a:t>chính</a:t>
+            </a:r>
+            <a:r>
+              <a:rPr lang="en-US" sz="4000" b="1" dirty="0">
+                <a:solidFill>
+                  <a:srgbClr val="000066"/>
+                </a:solidFill>
+                <a:latin typeface="Calibri" panose="020F0502020204030204" pitchFamily="34" charset="0"/>
+                <a:ea typeface="微軟正黑體" pitchFamily="34" charset="-120"/>
+                <a:cs typeface="Calibri" panose="020F0502020204030204" pitchFamily="34" charset="0"/>
+              </a:rPr>
+              <a:t> </a:t>
+            </a:r>
+            <a:r>
+              <a:rPr lang="en-US" sz="4000" b="1" dirty="0" err="1">
                 <a:solidFill>
                   <a:srgbClr val="000066"/>
                 </a:solidFill>
@@ -8104,62 +8095,40 @@
               <a:t>đêm</a:t>
             </a:r>
             <a:r>
-              <a:rPr lang="fr-FR" sz="4000" b="1" dirty="0">
-                <a:solidFill>
-                  <a:srgbClr val="000066"/>
-                </a:solidFill>
-                <a:latin typeface="Calibri" panose="020F0502020204030204" pitchFamily="34" charset="0"/>
-                <a:ea typeface="微軟正黑體" pitchFamily="34" charset="-120"/>
-                <a:cs typeface="Calibri" panose="020F0502020204030204" pitchFamily="34" charset="0"/>
-              </a:rPr>
-              <a:t> </a:t>
-            </a:r>
-            <a:r>
-              <a:rPr lang="fr-FR" sz="4000" b="1" dirty="0" err="1">
-                <a:solidFill>
-                  <a:srgbClr val="000066"/>
-                </a:solidFill>
-                <a:latin typeface="Calibri" panose="020F0502020204030204" pitchFamily="34" charset="0"/>
-                <a:ea typeface="微軟正黑體" pitchFamily="34" charset="-120"/>
-                <a:cs typeface="Calibri" panose="020F0502020204030204" pitchFamily="34" charset="0"/>
-              </a:rPr>
-              <a:t>Thần</a:t>
-            </a:r>
-            <a:r>
-              <a:rPr lang="fr-FR" sz="4000" b="1" dirty="0">
-                <a:solidFill>
-                  <a:srgbClr val="000066"/>
-                </a:solidFill>
-                <a:latin typeface="Calibri" panose="020F0502020204030204" pitchFamily="34" charset="0"/>
-                <a:ea typeface="微軟正黑體" pitchFamily="34" charset="-120"/>
-                <a:cs typeface="Calibri" panose="020F0502020204030204" pitchFamily="34" charset="0"/>
-              </a:rPr>
-              <a:t> </a:t>
-            </a:r>
-            <a:r>
-              <a:rPr lang="fr-FR" sz="4000" b="1" dirty="0" err="1">
-                <a:solidFill>
-                  <a:srgbClr val="000066"/>
-                </a:solidFill>
-                <a:latin typeface="Calibri" panose="020F0502020204030204" pitchFamily="34" charset="0"/>
-                <a:ea typeface="微軟正黑體" pitchFamily="34" charset="-120"/>
-                <a:cs typeface="Calibri" panose="020F0502020204030204" pitchFamily="34" charset="0"/>
-              </a:rPr>
-              <a:t>Tử</a:t>
-            </a:r>
-            <a:r>
-              <a:rPr lang="fr-FR" sz="4000" b="1" dirty="0">
-                <a:solidFill>
-                  <a:srgbClr val="000066"/>
-                </a:solidFill>
-                <a:latin typeface="Calibri" panose="020F0502020204030204" pitchFamily="34" charset="0"/>
-                <a:ea typeface="微軟正黑體" pitchFamily="34" charset="-120"/>
-                <a:cs typeface="Calibri" panose="020F0502020204030204" pitchFamily="34" charset="0"/>
-              </a:rPr>
-              <a:t> </a:t>
-            </a:r>
-            <a:r>
-              <a:rPr lang="fr-FR" sz="4000" b="1" dirty="0" err="1">
+              <a:rPr lang="en-US" sz="4000" b="1" dirty="0">
+                <a:solidFill>
+                  <a:srgbClr val="000066"/>
+                </a:solidFill>
+                <a:latin typeface="Calibri" panose="020F0502020204030204" pitchFamily="34" charset="0"/>
+                <a:ea typeface="微軟正黑體" pitchFamily="34" charset="-120"/>
+                <a:cs typeface="Calibri" panose="020F0502020204030204" pitchFamily="34" charset="0"/>
+              </a:rPr>
+              <a:t> </a:t>
+            </a:r>
+            <a:r>
+              <a:rPr lang="en-US" sz="4000" b="1" dirty="0" err="1">
+                <a:solidFill>
+                  <a:srgbClr val="000066"/>
+                </a:solidFill>
+                <a:latin typeface="Calibri" panose="020F0502020204030204" pitchFamily="34" charset="0"/>
+                <a:ea typeface="微軟正黑體" pitchFamily="34" charset="-120"/>
+                <a:cs typeface="Calibri" panose="020F0502020204030204" pitchFamily="34" charset="0"/>
+              </a:rPr>
+              <a:t>Jê-sus</a:t>
+            </a:r>
+            <a:r>
+              <a:rPr lang="en-US" sz="4000" b="1" dirty="0">
+                <a:solidFill>
+                  <a:srgbClr val="000066"/>
+                </a:solidFill>
+                <a:latin typeface="Calibri" panose="020F0502020204030204" pitchFamily="34" charset="0"/>
+                <a:ea typeface="微軟正黑體" pitchFamily="34" charset="-120"/>
+                <a:cs typeface="Calibri" panose="020F0502020204030204" pitchFamily="34" charset="0"/>
+              </a:rPr>
+              <a:t> </a:t>
+            </a:r>
+            <a:r>
+              <a:rPr lang="en-US" sz="4000" b="1" dirty="0" err="1">
                 <a:solidFill>
                   <a:srgbClr val="000066"/>
                 </a:solidFill>
@@ -8170,18 +8139,18 @@
               <a:t>giáng</a:t>
             </a:r>
             <a:r>
-              <a:rPr lang="fr-FR" sz="4000" b="1" dirty="0">
-                <a:solidFill>
-                  <a:srgbClr val="000066"/>
-                </a:solidFill>
-                <a:latin typeface="Calibri" panose="020F0502020204030204" pitchFamily="34" charset="0"/>
-                <a:ea typeface="微軟正黑體" pitchFamily="34" charset="-120"/>
-                <a:cs typeface="Calibri" panose="020F0502020204030204" pitchFamily="34" charset="0"/>
-              </a:rPr>
-              <a:t> </a:t>
-            </a:r>
-            <a:r>
-              <a:rPr lang="fr-FR" sz="4000" b="1" dirty="0" err="1">
+              <a:rPr lang="en-US" sz="4000" b="1" dirty="0">
+                <a:solidFill>
+                  <a:srgbClr val="000066"/>
+                </a:solidFill>
+                <a:latin typeface="Calibri" panose="020F0502020204030204" pitchFamily="34" charset="0"/>
+                <a:ea typeface="微軟正黑體" pitchFamily="34" charset="-120"/>
+                <a:cs typeface="Calibri" panose="020F0502020204030204" pitchFamily="34" charset="0"/>
+              </a:rPr>
+              <a:t> </a:t>
+            </a:r>
+            <a:r>
+              <a:rPr lang="en-US" sz="4000" b="1" dirty="0" err="1">
                 <a:solidFill>
                   <a:srgbClr val="000066"/>
                 </a:solidFill>
@@ -8205,7 +8174,7 @@
     </p:spTree>
     <p:extLst>
       <p:ext uri="{BB962C8B-B14F-4D97-AF65-F5344CB8AC3E}">
-        <p14:creationId xmlns:p14="http://schemas.microsoft.com/office/powerpoint/2010/main" val="1040188825"/>
+        <p14:creationId xmlns:p14="http://schemas.microsoft.com/office/powerpoint/2010/main" val="1077879947"/>
       </p:ext>
     </p:extLst>
   </p:cSld>
@@ -8632,37 +8601,37 @@
               <a:t> soi </a:t>
             </a:r>
             <a:r>
-              <a:rPr lang="fr-FR" sz="4000" b="1" dirty="0" err="1">
-                <a:solidFill>
-                  <a:srgbClr val="000066"/>
-                </a:solidFill>
-                <a:latin typeface="Calibri" panose="020F0502020204030204" pitchFamily="34" charset="0"/>
-                <a:ea typeface="微軟正黑體" pitchFamily="34" charset="-120"/>
-                <a:cs typeface="Calibri" panose="020F0502020204030204" pitchFamily="34" charset="0"/>
-              </a:rPr>
-              <a:t>sáng</a:t>
-            </a:r>
-            <a:r>
-              <a:rPr lang="fr-FR" sz="4000" b="1" dirty="0">
-                <a:solidFill>
-                  <a:srgbClr val="000066"/>
-                </a:solidFill>
-                <a:latin typeface="Calibri" panose="020F0502020204030204" pitchFamily="34" charset="0"/>
-                <a:ea typeface="微軟正黑體" pitchFamily="34" charset="-120"/>
-                <a:cs typeface="Calibri" panose="020F0502020204030204" pitchFamily="34" charset="0"/>
-              </a:rPr>
-              <a:t> </a:t>
-            </a:r>
-            <a:r>
-              <a:rPr lang="fr-FR" sz="4000" b="1" dirty="0" err="1">
-                <a:solidFill>
-                  <a:srgbClr val="000066"/>
-                </a:solidFill>
-                <a:latin typeface="Calibri" panose="020F0502020204030204" pitchFamily="34" charset="0"/>
-                <a:ea typeface="微軟正黑體" pitchFamily="34" charset="-120"/>
-                <a:cs typeface="Calibri" panose="020F0502020204030204" pitchFamily="34" charset="0"/>
-              </a:rPr>
-              <a:t>choang</a:t>
+              <a:rPr lang="en-US" sz="4000" b="1" dirty="0" err="1">
+                <a:solidFill>
+                  <a:srgbClr val="000066"/>
+                </a:solidFill>
+                <a:latin typeface="Calibri" panose="020F0502020204030204" pitchFamily="34" charset="0"/>
+                <a:ea typeface="微軟正黑體" pitchFamily="34" charset="-120"/>
+                <a:cs typeface="Calibri" panose="020F0502020204030204" pitchFamily="34" charset="0"/>
+              </a:rPr>
+              <a:t>thánh</a:t>
+            </a:r>
+            <a:r>
+              <a:rPr lang="en-US" sz="4000" b="1" dirty="0">
+                <a:solidFill>
+                  <a:srgbClr val="000066"/>
+                </a:solidFill>
+                <a:latin typeface="Calibri" panose="020F0502020204030204" pitchFamily="34" charset="0"/>
+                <a:ea typeface="微軟正黑體" pitchFamily="34" charset="-120"/>
+                <a:cs typeface="Calibri" panose="020F0502020204030204" pitchFamily="34" charset="0"/>
+              </a:rPr>
+              <a:t> </a:t>
+            </a:r>
+            <a:r>
+              <a:rPr lang="en-US" sz="4000" b="1" dirty="0" err="1">
+                <a:solidFill>
+                  <a:srgbClr val="000066"/>
+                </a:solidFill>
+                <a:latin typeface="Calibri" panose="020F0502020204030204" pitchFamily="34" charset="0"/>
+                <a:ea typeface="微軟正黑體" pitchFamily="34" charset="-120"/>
+                <a:cs typeface="Calibri" panose="020F0502020204030204" pitchFamily="34" charset="0"/>
+              </a:rPr>
+              <a:t>quang</a:t>
             </a:r>
             <a:endParaRPr lang="en-US" altLang="zh-TW" sz="4000" b="1" dirty="0">
               <a:solidFill>
@@ -9020,18 +8989,18 @@
               <a:t> </a:t>
             </a:r>
             <a:r>
-              <a:rPr lang="fr-FR" sz="4000" b="1" dirty="0" err="1">
-                <a:solidFill>
-                  <a:srgbClr val="000066"/>
-                </a:solidFill>
-                <a:latin typeface="Calibri" panose="020F0502020204030204" pitchFamily="34" charset="0"/>
-                <a:ea typeface="微軟正黑體" pitchFamily="34" charset="-120"/>
-                <a:cs typeface="Calibri" panose="020F0502020204030204" pitchFamily="34" charset="0"/>
-              </a:rPr>
-              <a:t>nấy</a:t>
-            </a:r>
-            <a:r>
-              <a:rPr lang="fr-FR" sz="4000" b="1" dirty="0">
+              <a:rPr lang="fr-FR" sz="4000" b="1" dirty="0" err="1" smtClean="0">
+                <a:solidFill>
+                  <a:srgbClr val="000066"/>
+                </a:solidFill>
+                <a:latin typeface="Calibri" panose="020F0502020204030204" pitchFamily="34" charset="0"/>
+                <a:ea typeface="微軟正黑體" pitchFamily="34" charset="-120"/>
+                <a:cs typeface="Calibri" panose="020F0502020204030204" pitchFamily="34" charset="0"/>
+              </a:rPr>
+              <a:t>đặt</a:t>
+            </a:r>
+            <a:r>
+              <a:rPr lang="fr-FR" sz="4000" b="1" dirty="0" smtClean="0">
                 <a:solidFill>
                   <a:srgbClr val="000066"/>
                 </a:solidFill>
@@ -9785,7 +9754,51 @@
               <a:buNone/>
             </a:pPr>
             <a:r>
-              <a:rPr lang="fr-FR" sz="4000" b="1" dirty="0" err="1">
+              <a:rPr lang="en-US" sz="4000" b="1" dirty="0" err="1" smtClean="0">
+                <a:solidFill>
+                  <a:srgbClr val="000066"/>
+                </a:solidFill>
+                <a:latin typeface="Calibri" panose="020F0502020204030204" pitchFamily="34" charset="0"/>
+                <a:ea typeface="微軟正黑體" pitchFamily="34" charset="-120"/>
+                <a:cs typeface="Calibri" panose="020F0502020204030204" pitchFamily="34" charset="0"/>
+              </a:rPr>
+              <a:t>Nhìn</a:t>
+            </a:r>
+            <a:r>
+              <a:rPr lang="en-US" sz="4000" b="1" dirty="0" smtClean="0">
+                <a:solidFill>
+                  <a:srgbClr val="000066"/>
+                </a:solidFill>
+                <a:latin typeface="Calibri" panose="020F0502020204030204" pitchFamily="34" charset="0"/>
+                <a:ea typeface="微軟正黑體" pitchFamily="34" charset="-120"/>
+                <a:cs typeface="Calibri" panose="020F0502020204030204" pitchFamily="34" charset="0"/>
+              </a:rPr>
+              <a:t> </a:t>
+            </a:r>
+            <a:r>
+              <a:rPr lang="en-US" sz="4000" b="1" dirty="0" err="1">
+                <a:solidFill>
+                  <a:srgbClr val="000066"/>
+                </a:solidFill>
+                <a:latin typeface="Calibri" panose="020F0502020204030204" pitchFamily="34" charset="0"/>
+                <a:ea typeface="微軟正黑體" pitchFamily="34" charset="-120"/>
+                <a:cs typeface="Calibri" panose="020F0502020204030204" pitchFamily="34" charset="0"/>
+              </a:rPr>
+              <a:t>xem</a:t>
+            </a:r>
+            <a:r>
+              <a:rPr lang="en-US" sz="4000" b="1" dirty="0">
+                <a:solidFill>
+                  <a:srgbClr val="000066"/>
+                </a:solidFill>
+                <a:latin typeface="Calibri" panose="020F0502020204030204" pitchFamily="34" charset="0"/>
+                <a:ea typeface="微軟正黑體" pitchFamily="34" charset="-120"/>
+                <a:cs typeface="Calibri" panose="020F0502020204030204" pitchFamily="34" charset="0"/>
+              </a:rPr>
+              <a:t>! </a:t>
+            </a:r>
+            <a:r>
+              <a:rPr lang="en-US" sz="4000" b="1" dirty="0" err="1">
                 <a:solidFill>
                   <a:srgbClr val="000066"/>
                 </a:solidFill>
@@ -9796,18 +9809,18 @@
               <a:t>Ngài</a:t>
             </a:r>
             <a:r>
-              <a:rPr lang="fr-FR" sz="4000" b="1" dirty="0">
-                <a:solidFill>
-                  <a:srgbClr val="000066"/>
-                </a:solidFill>
-                <a:latin typeface="Calibri" panose="020F0502020204030204" pitchFamily="34" charset="0"/>
-                <a:ea typeface="微軟正黑體" pitchFamily="34" charset="-120"/>
-                <a:cs typeface="Calibri" panose="020F0502020204030204" pitchFamily="34" charset="0"/>
-              </a:rPr>
-              <a:t> </a:t>
-            </a:r>
-            <a:r>
-              <a:rPr lang="fr-FR" sz="4000" b="1" dirty="0" err="1">
+              <a:rPr lang="en-US" sz="4000" b="1" dirty="0">
+                <a:solidFill>
+                  <a:srgbClr val="000066"/>
+                </a:solidFill>
+                <a:latin typeface="Calibri" panose="020F0502020204030204" pitchFamily="34" charset="0"/>
+                <a:ea typeface="微軟正黑體" pitchFamily="34" charset="-120"/>
+                <a:cs typeface="Calibri" panose="020F0502020204030204" pitchFamily="34" charset="0"/>
+              </a:rPr>
+              <a:t> </a:t>
+            </a:r>
+            <a:r>
+              <a:rPr lang="en-US" sz="4000" b="1" dirty="0" err="1">
                 <a:solidFill>
                   <a:srgbClr val="000066"/>
                 </a:solidFill>
@@ -9818,18 +9831,18 @@
               <a:t>không</a:t>
             </a:r>
             <a:r>
-              <a:rPr lang="fr-FR" sz="4000" b="1" dirty="0">
-                <a:solidFill>
-                  <a:srgbClr val="000066"/>
-                </a:solidFill>
-                <a:latin typeface="Calibri" panose="020F0502020204030204" pitchFamily="34" charset="0"/>
-                <a:ea typeface="微軟正黑體" pitchFamily="34" charset="-120"/>
-                <a:cs typeface="Calibri" panose="020F0502020204030204" pitchFamily="34" charset="0"/>
-              </a:rPr>
-              <a:t> </a:t>
-            </a:r>
-            <a:r>
-              <a:rPr lang="fr-FR" sz="4000" b="1" dirty="0" err="1">
+              <a:rPr lang="en-US" sz="4000" b="1" dirty="0">
+                <a:solidFill>
+                  <a:srgbClr val="000066"/>
+                </a:solidFill>
+                <a:latin typeface="Calibri" panose="020F0502020204030204" pitchFamily="34" charset="0"/>
+                <a:ea typeface="微軟正黑體" pitchFamily="34" charset="-120"/>
+                <a:cs typeface="Calibri" panose="020F0502020204030204" pitchFamily="34" charset="0"/>
+              </a:rPr>
+              <a:t> </a:t>
+            </a:r>
+            <a:r>
+              <a:rPr lang="en-US" sz="4000" b="1" dirty="0" err="1">
                 <a:solidFill>
                   <a:srgbClr val="000066"/>
                 </a:solidFill>
@@ -9840,18 +9853,18 @@
               <a:t>khoa</a:t>
             </a:r>
             <a:r>
-              <a:rPr lang="fr-FR" sz="4000" b="1" dirty="0">
-                <a:solidFill>
-                  <a:srgbClr val="000066"/>
-                </a:solidFill>
-                <a:latin typeface="Calibri" panose="020F0502020204030204" pitchFamily="34" charset="0"/>
-                <a:ea typeface="微軟正黑體" pitchFamily="34" charset="-120"/>
-                <a:cs typeface="Calibri" panose="020F0502020204030204" pitchFamily="34" charset="0"/>
-              </a:rPr>
-              <a:t> </a:t>
-            </a:r>
-            <a:r>
-              <a:rPr lang="fr-FR" sz="4000" b="1" dirty="0" err="1">
+              <a:rPr lang="en-US" sz="4000" b="1" dirty="0">
+                <a:solidFill>
+                  <a:srgbClr val="000066"/>
+                </a:solidFill>
+                <a:latin typeface="Calibri" panose="020F0502020204030204" pitchFamily="34" charset="0"/>
+                <a:ea typeface="微軟正黑體" pitchFamily="34" charset="-120"/>
+                <a:cs typeface="Calibri" panose="020F0502020204030204" pitchFamily="34" charset="0"/>
+              </a:rPr>
+              <a:t> </a:t>
+            </a:r>
+            <a:r>
+              <a:rPr lang="en-US" sz="4000" b="1" dirty="0" err="1">
                 <a:solidFill>
                   <a:srgbClr val="000066"/>
                 </a:solidFill>
@@ -9862,7 +9875,7 @@
               <a:t>trương</a:t>
             </a:r>
             <a:r>
-              <a:rPr lang="fr-FR" sz="4000" b="1" dirty="0">
+              <a:rPr lang="en-US" sz="4000" b="1" dirty="0">
                 <a:solidFill>
                   <a:srgbClr val="000066"/>
                 </a:solidFill>
@@ -9873,7 +9886,7 @@
               <a:t>, </a:t>
             </a:r>
             <a:r>
-              <a:rPr lang="fr-FR" sz="4000" b="1" dirty="0" err="1">
+              <a:rPr lang="en-US" sz="4000" b="1" dirty="0" err="1">
                 <a:solidFill>
                   <a:srgbClr val="000066"/>
                 </a:solidFill>
@@ -9884,18 +9897,18 @@
               <a:t>không</a:t>
             </a:r>
             <a:r>
-              <a:rPr lang="fr-FR" sz="4000" b="1" dirty="0">
-                <a:solidFill>
-                  <a:srgbClr val="000066"/>
-                </a:solidFill>
-                <a:latin typeface="Calibri" panose="020F0502020204030204" pitchFamily="34" charset="0"/>
-                <a:ea typeface="微軟正黑體" pitchFamily="34" charset="-120"/>
-                <a:cs typeface="Calibri" panose="020F0502020204030204" pitchFamily="34" charset="0"/>
-              </a:rPr>
-              <a:t> </a:t>
-            </a:r>
-            <a:r>
-              <a:rPr lang="fr-FR" sz="4000" b="1" dirty="0" err="1">
+              <a:rPr lang="en-US" sz="4000" b="1" dirty="0">
+                <a:solidFill>
+                  <a:srgbClr val="000066"/>
+                </a:solidFill>
+                <a:latin typeface="Calibri" panose="020F0502020204030204" pitchFamily="34" charset="0"/>
+                <a:ea typeface="微軟正黑體" pitchFamily="34" charset="-120"/>
+                <a:cs typeface="Calibri" panose="020F0502020204030204" pitchFamily="34" charset="0"/>
+              </a:rPr>
+              <a:t> </a:t>
+            </a:r>
+            <a:r>
+              <a:rPr lang="en-US" sz="4000" b="1" dirty="0" err="1">
                 <a:solidFill>
                   <a:srgbClr val="000066"/>
                 </a:solidFill>
@@ -9906,18 +9919,18 @@
               <a:t>ồn</a:t>
             </a:r>
             <a:r>
-              <a:rPr lang="fr-FR" sz="4000" b="1" dirty="0">
-                <a:solidFill>
-                  <a:srgbClr val="000066"/>
-                </a:solidFill>
-                <a:latin typeface="Calibri" panose="020F0502020204030204" pitchFamily="34" charset="0"/>
-                <a:ea typeface="微軟正黑體" pitchFamily="34" charset="-120"/>
-                <a:cs typeface="Calibri" panose="020F0502020204030204" pitchFamily="34" charset="0"/>
-              </a:rPr>
-              <a:t> </a:t>
-            </a:r>
-            <a:r>
-              <a:rPr lang="fr-FR" sz="4000" b="1" dirty="0" err="1">
+              <a:rPr lang="en-US" sz="4000" b="1" dirty="0">
+                <a:solidFill>
+                  <a:srgbClr val="000066"/>
+                </a:solidFill>
+                <a:latin typeface="Calibri" panose="020F0502020204030204" pitchFamily="34" charset="0"/>
+                <a:ea typeface="微軟正黑體" pitchFamily="34" charset="-120"/>
+                <a:cs typeface="Calibri" panose="020F0502020204030204" pitchFamily="34" charset="0"/>
+              </a:rPr>
+              <a:t> </a:t>
+            </a:r>
+            <a:r>
+              <a:rPr lang="en-US" sz="4000" b="1" dirty="0" err="1">
                 <a:solidFill>
                   <a:srgbClr val="000066"/>
                 </a:solidFill>
@@ -10682,18 +10695,18 @@
               <a:t> </a:t>
             </a:r>
             <a:r>
-              <a:rPr lang="fr-FR" sz="4000" b="1" dirty="0" err="1">
-                <a:solidFill>
-                  <a:srgbClr val="000066"/>
-                </a:solidFill>
-                <a:latin typeface="Calibri" panose="020F0502020204030204" pitchFamily="34" charset="0"/>
-                <a:ea typeface="微軟正黑體" pitchFamily="34" charset="-120"/>
-                <a:cs typeface="Calibri" panose="020F0502020204030204" pitchFamily="34" charset="0"/>
-              </a:rPr>
-              <a:t>nấy</a:t>
-            </a:r>
-            <a:r>
-              <a:rPr lang="fr-FR" sz="4000" b="1" dirty="0">
+              <a:rPr lang="fr-FR" sz="4000" b="1" dirty="0" err="1" smtClean="0">
+                <a:solidFill>
+                  <a:srgbClr val="000066"/>
+                </a:solidFill>
+                <a:latin typeface="Calibri" panose="020F0502020204030204" pitchFamily="34" charset="0"/>
+                <a:ea typeface="微軟正黑體" pitchFamily="34" charset="-120"/>
+                <a:cs typeface="Calibri" panose="020F0502020204030204" pitchFamily="34" charset="0"/>
+              </a:rPr>
+              <a:t>đặt</a:t>
+            </a:r>
+            <a:r>
+              <a:rPr lang="fr-FR" sz="4000" b="1" dirty="0" smtClean="0">
                 <a:solidFill>
                   <a:srgbClr val="000066"/>
                 </a:solidFill>
@@ -10772,7 +10785,7 @@
     </p:spTree>
     <p:extLst>
       <p:ext uri="{BB962C8B-B14F-4D97-AF65-F5344CB8AC3E}">
-        <p14:creationId xmlns:p14="http://schemas.microsoft.com/office/powerpoint/2010/main" val="1722110605"/>
+        <p14:creationId xmlns:p14="http://schemas.microsoft.com/office/powerpoint/2010/main" val="2595048909"/>
       </p:ext>
     </p:extLst>
   </p:cSld>
@@ -11204,7 +11217,7 @@
     </p:spTree>
     <p:extLst>
       <p:ext uri="{BB962C8B-B14F-4D97-AF65-F5344CB8AC3E}">
-        <p14:creationId xmlns:p14="http://schemas.microsoft.com/office/powerpoint/2010/main" val="3231923217"/>
+        <p14:creationId xmlns:p14="http://schemas.microsoft.com/office/powerpoint/2010/main" val="1837184732"/>
       </p:ext>
     </p:extLst>
   </p:cSld>
@@ -11447,7 +11460,51 @@
               <a:buNone/>
             </a:pPr>
             <a:r>
-              <a:rPr lang="fr-FR" sz="4000" b="1" dirty="0" err="1">
+              <a:rPr lang="en-US" sz="4000" b="1" dirty="0" err="1" smtClean="0">
+                <a:solidFill>
+                  <a:srgbClr val="000066"/>
+                </a:solidFill>
+                <a:latin typeface="Calibri" panose="020F0502020204030204" pitchFamily="34" charset="0"/>
+                <a:ea typeface="微軟正黑體" pitchFamily="34" charset="-120"/>
+                <a:cs typeface="Calibri" panose="020F0502020204030204" pitchFamily="34" charset="0"/>
+              </a:rPr>
+              <a:t>Nhìn</a:t>
+            </a:r>
+            <a:r>
+              <a:rPr lang="en-US" sz="4000" b="1" dirty="0" smtClean="0">
+                <a:solidFill>
+                  <a:srgbClr val="000066"/>
+                </a:solidFill>
+                <a:latin typeface="Calibri" panose="020F0502020204030204" pitchFamily="34" charset="0"/>
+                <a:ea typeface="微軟正黑體" pitchFamily="34" charset="-120"/>
+                <a:cs typeface="Calibri" panose="020F0502020204030204" pitchFamily="34" charset="0"/>
+              </a:rPr>
+              <a:t> </a:t>
+            </a:r>
+            <a:r>
+              <a:rPr lang="en-US" sz="4000" b="1" dirty="0" err="1">
+                <a:solidFill>
+                  <a:srgbClr val="000066"/>
+                </a:solidFill>
+                <a:latin typeface="Calibri" panose="020F0502020204030204" pitchFamily="34" charset="0"/>
+                <a:ea typeface="微軟正黑體" pitchFamily="34" charset="-120"/>
+                <a:cs typeface="Calibri" panose="020F0502020204030204" pitchFamily="34" charset="0"/>
+              </a:rPr>
+              <a:t>xem</a:t>
+            </a:r>
+            <a:r>
+              <a:rPr lang="en-US" sz="4000" b="1" dirty="0">
+                <a:solidFill>
+                  <a:srgbClr val="000066"/>
+                </a:solidFill>
+                <a:latin typeface="Calibri" panose="020F0502020204030204" pitchFamily="34" charset="0"/>
+                <a:ea typeface="微軟正黑體" pitchFamily="34" charset="-120"/>
+                <a:cs typeface="Calibri" panose="020F0502020204030204" pitchFamily="34" charset="0"/>
+              </a:rPr>
+              <a:t>! </a:t>
+            </a:r>
+            <a:r>
+              <a:rPr lang="en-US" sz="4000" b="1" dirty="0" err="1">
                 <a:solidFill>
                   <a:srgbClr val="000066"/>
                 </a:solidFill>
@@ -11458,18 +11515,18 @@
               <a:t>Ngài</a:t>
             </a:r>
             <a:r>
-              <a:rPr lang="fr-FR" sz="4000" b="1" dirty="0">
-                <a:solidFill>
-                  <a:srgbClr val="000066"/>
-                </a:solidFill>
-                <a:latin typeface="Calibri" panose="020F0502020204030204" pitchFamily="34" charset="0"/>
-                <a:ea typeface="微軟正黑體" pitchFamily="34" charset="-120"/>
-                <a:cs typeface="Calibri" panose="020F0502020204030204" pitchFamily="34" charset="0"/>
-              </a:rPr>
-              <a:t> </a:t>
-            </a:r>
-            <a:r>
-              <a:rPr lang="fr-FR" sz="4000" b="1" dirty="0" err="1">
+              <a:rPr lang="en-US" sz="4000" b="1" dirty="0">
+                <a:solidFill>
+                  <a:srgbClr val="000066"/>
+                </a:solidFill>
+                <a:latin typeface="Calibri" panose="020F0502020204030204" pitchFamily="34" charset="0"/>
+                <a:ea typeface="微軟正黑體" pitchFamily="34" charset="-120"/>
+                <a:cs typeface="Calibri" panose="020F0502020204030204" pitchFamily="34" charset="0"/>
+              </a:rPr>
+              <a:t> </a:t>
+            </a:r>
+            <a:r>
+              <a:rPr lang="en-US" sz="4000" b="1" dirty="0" err="1">
                 <a:solidFill>
                   <a:srgbClr val="000066"/>
                 </a:solidFill>
@@ -11480,18 +11537,18 @@
               <a:t>không</a:t>
             </a:r>
             <a:r>
-              <a:rPr lang="fr-FR" sz="4000" b="1" dirty="0">
-                <a:solidFill>
-                  <a:srgbClr val="000066"/>
-                </a:solidFill>
-                <a:latin typeface="Calibri" panose="020F0502020204030204" pitchFamily="34" charset="0"/>
-                <a:ea typeface="微軟正黑體" pitchFamily="34" charset="-120"/>
-                <a:cs typeface="Calibri" panose="020F0502020204030204" pitchFamily="34" charset="0"/>
-              </a:rPr>
-              <a:t> </a:t>
-            </a:r>
-            <a:r>
-              <a:rPr lang="fr-FR" sz="4000" b="1" dirty="0" err="1">
+              <a:rPr lang="en-US" sz="4000" b="1" dirty="0">
+                <a:solidFill>
+                  <a:srgbClr val="000066"/>
+                </a:solidFill>
+                <a:latin typeface="Calibri" panose="020F0502020204030204" pitchFamily="34" charset="0"/>
+                <a:ea typeface="微軟正黑體" pitchFamily="34" charset="-120"/>
+                <a:cs typeface="Calibri" panose="020F0502020204030204" pitchFamily="34" charset="0"/>
+              </a:rPr>
+              <a:t> </a:t>
+            </a:r>
+            <a:r>
+              <a:rPr lang="en-US" sz="4000" b="1" dirty="0" err="1">
                 <a:solidFill>
                   <a:srgbClr val="000066"/>
                 </a:solidFill>
@@ -11502,18 +11559,18 @@
               <a:t>khoa</a:t>
             </a:r>
             <a:r>
-              <a:rPr lang="fr-FR" sz="4000" b="1" dirty="0">
-                <a:solidFill>
-                  <a:srgbClr val="000066"/>
-                </a:solidFill>
-                <a:latin typeface="Calibri" panose="020F0502020204030204" pitchFamily="34" charset="0"/>
-                <a:ea typeface="微軟正黑體" pitchFamily="34" charset="-120"/>
-                <a:cs typeface="Calibri" panose="020F0502020204030204" pitchFamily="34" charset="0"/>
-              </a:rPr>
-              <a:t> </a:t>
-            </a:r>
-            <a:r>
-              <a:rPr lang="fr-FR" sz="4000" b="1" dirty="0" err="1">
+              <a:rPr lang="en-US" sz="4000" b="1" dirty="0">
+                <a:solidFill>
+                  <a:srgbClr val="000066"/>
+                </a:solidFill>
+                <a:latin typeface="Calibri" panose="020F0502020204030204" pitchFamily="34" charset="0"/>
+                <a:ea typeface="微軟正黑體" pitchFamily="34" charset="-120"/>
+                <a:cs typeface="Calibri" panose="020F0502020204030204" pitchFamily="34" charset="0"/>
+              </a:rPr>
+              <a:t> </a:t>
+            </a:r>
+            <a:r>
+              <a:rPr lang="en-US" sz="4000" b="1" dirty="0" err="1">
                 <a:solidFill>
                   <a:srgbClr val="000066"/>
                 </a:solidFill>
@@ -11524,7 +11581,7 @@
               <a:t>trương</a:t>
             </a:r>
             <a:r>
-              <a:rPr lang="fr-FR" sz="4000" b="1" dirty="0">
+              <a:rPr lang="en-US" sz="4000" b="1" dirty="0">
                 <a:solidFill>
                   <a:srgbClr val="000066"/>
                 </a:solidFill>
@@ -11535,7 +11592,7 @@
               <a:t>, </a:t>
             </a:r>
             <a:r>
-              <a:rPr lang="fr-FR" sz="4000" b="1" dirty="0" err="1">
+              <a:rPr lang="en-US" sz="4000" b="1" dirty="0" err="1">
                 <a:solidFill>
                   <a:srgbClr val="000066"/>
                 </a:solidFill>
@@ -11546,18 +11603,18 @@
               <a:t>không</a:t>
             </a:r>
             <a:r>
-              <a:rPr lang="fr-FR" sz="4000" b="1" dirty="0">
-                <a:solidFill>
-                  <a:srgbClr val="000066"/>
-                </a:solidFill>
-                <a:latin typeface="Calibri" panose="020F0502020204030204" pitchFamily="34" charset="0"/>
-                <a:ea typeface="微軟正黑體" pitchFamily="34" charset="-120"/>
-                <a:cs typeface="Calibri" panose="020F0502020204030204" pitchFamily="34" charset="0"/>
-              </a:rPr>
-              <a:t> </a:t>
-            </a:r>
-            <a:r>
-              <a:rPr lang="fr-FR" sz="4000" b="1" dirty="0" err="1">
+              <a:rPr lang="en-US" sz="4000" b="1" dirty="0">
+                <a:solidFill>
+                  <a:srgbClr val="000066"/>
+                </a:solidFill>
+                <a:latin typeface="Calibri" panose="020F0502020204030204" pitchFamily="34" charset="0"/>
+                <a:ea typeface="微軟正黑體" pitchFamily="34" charset="-120"/>
+                <a:cs typeface="Calibri" panose="020F0502020204030204" pitchFamily="34" charset="0"/>
+              </a:rPr>
+              <a:t> </a:t>
+            </a:r>
+            <a:r>
+              <a:rPr lang="en-US" sz="4000" b="1" dirty="0" err="1">
                 <a:solidFill>
                   <a:srgbClr val="000066"/>
                 </a:solidFill>
@@ -11568,18 +11625,18 @@
               <a:t>ồn</a:t>
             </a:r>
             <a:r>
-              <a:rPr lang="fr-FR" sz="4000" b="1" dirty="0">
-                <a:solidFill>
-                  <a:srgbClr val="000066"/>
-                </a:solidFill>
-                <a:latin typeface="Calibri" panose="020F0502020204030204" pitchFamily="34" charset="0"/>
-                <a:ea typeface="微軟正黑體" pitchFamily="34" charset="-120"/>
-                <a:cs typeface="Calibri" panose="020F0502020204030204" pitchFamily="34" charset="0"/>
-              </a:rPr>
-              <a:t> </a:t>
-            </a:r>
-            <a:r>
-              <a:rPr lang="fr-FR" sz="4000" b="1" dirty="0" err="1">
+              <a:rPr lang="en-US" sz="4000" b="1" dirty="0">
+                <a:solidFill>
+                  <a:srgbClr val="000066"/>
+                </a:solidFill>
+                <a:latin typeface="Calibri" panose="020F0502020204030204" pitchFamily="34" charset="0"/>
+                <a:ea typeface="微軟正黑體" pitchFamily="34" charset="-120"/>
+                <a:cs typeface="Calibri" panose="020F0502020204030204" pitchFamily="34" charset="0"/>
+              </a:rPr>
+              <a:t> </a:t>
+            </a:r>
+            <a:r>
+              <a:rPr lang="en-US" sz="4000" b="1" dirty="0" err="1">
                 <a:solidFill>
                   <a:srgbClr val="000066"/>
                 </a:solidFill>
@@ -11603,7 +11660,7 @@
     </p:spTree>
     <p:extLst>
       <p:ext uri="{BB962C8B-B14F-4D97-AF65-F5344CB8AC3E}">
-        <p14:creationId xmlns:p14="http://schemas.microsoft.com/office/powerpoint/2010/main" val="1791226977"/>
+        <p14:creationId xmlns:p14="http://schemas.microsoft.com/office/powerpoint/2010/main" val="1531767726"/>
       </p:ext>
     </p:extLst>
   </p:cSld>
@@ -12002,7 +12059,7 @@
     </p:spTree>
     <p:extLst>
       <p:ext uri="{BB962C8B-B14F-4D97-AF65-F5344CB8AC3E}">
-        <p14:creationId xmlns:p14="http://schemas.microsoft.com/office/powerpoint/2010/main" val="748526398"/>
+        <p14:creationId xmlns:p14="http://schemas.microsoft.com/office/powerpoint/2010/main" val="3424911180"/>
       </p:ext>
     </p:extLst>
   </p:cSld>
@@ -12295,7 +12352,7 @@
                 <a:ea typeface="微軟正黑體" pitchFamily="34" charset="-120"/>
                 <a:cs typeface="Calibri" panose="020F0502020204030204" pitchFamily="34" charset="0"/>
               </a:rPr>
-              <a:t>sanh</a:t>
+              <a:t>sinh</a:t>
             </a:r>
             <a:r>
               <a:rPr lang="fr-FR" sz="4000" b="1" dirty="0">
@@ -12773,84 +12830,84 @@
               <a:buNone/>
             </a:pPr>
             <a:r>
-              <a:rPr lang="fr-FR" sz="3600" b="1" dirty="0" err="1">
-                <a:solidFill>
-                  <a:srgbClr val="000066"/>
-                </a:solidFill>
-                <a:latin typeface="Calibri" panose="020F0502020204030204" pitchFamily="34" charset="0"/>
-                <a:ea typeface="微軟正黑體" pitchFamily="34" charset="-120"/>
-                <a:cs typeface="Calibri" panose="020F0502020204030204" pitchFamily="34" charset="0"/>
-              </a:rPr>
-              <a:t>Nguyện</a:t>
-            </a:r>
-            <a:r>
-              <a:rPr lang="fr-FR" sz="3600" b="1" dirty="0">
-                <a:solidFill>
-                  <a:srgbClr val="000066"/>
-                </a:solidFill>
-                <a:latin typeface="Calibri" panose="020F0502020204030204" pitchFamily="34" charset="0"/>
-                <a:ea typeface="微軟正黑體" pitchFamily="34" charset="-120"/>
-                <a:cs typeface="Calibri" panose="020F0502020204030204" pitchFamily="34" charset="0"/>
-              </a:rPr>
-              <a:t> </a:t>
-            </a:r>
-            <a:r>
-              <a:rPr lang="fr-FR" sz="3600" b="1" dirty="0" err="1">
-                <a:solidFill>
-                  <a:srgbClr val="000066"/>
-                </a:solidFill>
-                <a:latin typeface="Calibri" panose="020F0502020204030204" pitchFamily="34" charset="0"/>
-                <a:ea typeface="微軟正黑體" pitchFamily="34" charset="-120"/>
-                <a:cs typeface="Calibri" panose="020F0502020204030204" pitchFamily="34" charset="0"/>
-              </a:rPr>
-              <a:t>sự</a:t>
-            </a:r>
-            <a:r>
-              <a:rPr lang="fr-FR" sz="3600" b="1" dirty="0">
-                <a:solidFill>
-                  <a:srgbClr val="000066"/>
-                </a:solidFill>
-                <a:latin typeface="Calibri" panose="020F0502020204030204" pitchFamily="34" charset="0"/>
-                <a:ea typeface="微軟正黑體" pitchFamily="34" charset="-120"/>
-                <a:cs typeface="Calibri" panose="020F0502020204030204" pitchFamily="34" charset="0"/>
-              </a:rPr>
-              <a:t> </a:t>
-            </a:r>
-            <a:r>
-              <a:rPr lang="fr-FR" sz="3600" b="1" dirty="0" err="1">
-                <a:solidFill>
-                  <a:srgbClr val="000066"/>
-                </a:solidFill>
-                <a:latin typeface="Calibri" panose="020F0502020204030204" pitchFamily="34" charset="0"/>
-                <a:ea typeface="微軟正黑體" pitchFamily="34" charset="-120"/>
-                <a:cs typeface="Calibri" panose="020F0502020204030204" pitchFamily="34" charset="0"/>
-              </a:rPr>
-              <a:t>tôn</a:t>
-            </a:r>
-            <a:r>
-              <a:rPr lang="fr-FR" sz="3600" b="1" dirty="0">
-                <a:solidFill>
-                  <a:srgbClr val="000066"/>
-                </a:solidFill>
-                <a:latin typeface="Calibri" panose="020F0502020204030204" pitchFamily="34" charset="0"/>
-                <a:ea typeface="微軟正黑體" pitchFamily="34" charset="-120"/>
-                <a:cs typeface="Calibri" panose="020F0502020204030204" pitchFamily="34" charset="0"/>
-              </a:rPr>
-              <a:t> </a:t>
-            </a:r>
-            <a:r>
-              <a:rPr lang="fr-FR" sz="3600" b="1" dirty="0" err="1">
-                <a:solidFill>
-                  <a:srgbClr val="000066"/>
-                </a:solidFill>
-                <a:latin typeface="Calibri" panose="020F0502020204030204" pitchFamily="34" charset="0"/>
-                <a:ea typeface="微軟正黑體" pitchFamily="34" charset="-120"/>
-                <a:cs typeface="Calibri" panose="020F0502020204030204" pitchFamily="34" charset="0"/>
-              </a:rPr>
-              <a:t>quý</a:t>
-            </a:r>
-            <a:r>
-              <a:rPr lang="fr-FR" sz="3600" b="1" dirty="0">
+              <a:rPr lang="fr-FR" sz="4000" b="1" dirty="0" err="1">
+                <a:solidFill>
+                  <a:srgbClr val="000066"/>
+                </a:solidFill>
+                <a:latin typeface="Calibri" panose="020F0502020204030204" pitchFamily="34" charset="0"/>
+                <a:ea typeface="微軟正黑體" pitchFamily="34" charset="-120"/>
+                <a:cs typeface="Calibri" panose="020F0502020204030204" pitchFamily="34" charset="0"/>
+              </a:rPr>
+              <a:t>Ðêm</a:t>
+            </a:r>
+            <a:r>
+              <a:rPr lang="fr-FR" sz="4000" b="1" dirty="0">
+                <a:solidFill>
+                  <a:srgbClr val="000066"/>
+                </a:solidFill>
+                <a:latin typeface="Calibri" panose="020F0502020204030204" pitchFamily="34" charset="0"/>
+                <a:ea typeface="微軟正黑體" pitchFamily="34" charset="-120"/>
+                <a:cs typeface="Calibri" panose="020F0502020204030204" pitchFamily="34" charset="0"/>
+              </a:rPr>
+              <a:t> </a:t>
+            </a:r>
+            <a:r>
+              <a:rPr lang="fr-FR" sz="4000" b="1" dirty="0" err="1">
+                <a:solidFill>
+                  <a:srgbClr val="000066"/>
+                </a:solidFill>
+                <a:latin typeface="Calibri" panose="020F0502020204030204" pitchFamily="34" charset="0"/>
+                <a:ea typeface="微軟正黑體" pitchFamily="34" charset="-120"/>
+                <a:cs typeface="Calibri" panose="020F0502020204030204" pitchFamily="34" charset="0"/>
+              </a:rPr>
+              <a:t>phước</a:t>
+            </a:r>
+            <a:r>
+              <a:rPr lang="fr-FR" sz="4000" b="1" dirty="0">
+                <a:solidFill>
+                  <a:srgbClr val="000066"/>
+                </a:solidFill>
+                <a:latin typeface="Calibri" panose="020F0502020204030204" pitchFamily="34" charset="0"/>
+                <a:ea typeface="微軟正黑體" pitchFamily="34" charset="-120"/>
+                <a:cs typeface="Calibri" panose="020F0502020204030204" pitchFamily="34" charset="0"/>
+              </a:rPr>
+              <a:t> </a:t>
+            </a:r>
+            <a:r>
+              <a:rPr lang="fr-FR" sz="4000" b="1" dirty="0" err="1">
+                <a:solidFill>
+                  <a:srgbClr val="000066"/>
+                </a:solidFill>
+                <a:latin typeface="Calibri" panose="020F0502020204030204" pitchFamily="34" charset="0"/>
+                <a:ea typeface="微軟正黑體" pitchFamily="34" charset="-120"/>
+                <a:cs typeface="Calibri" panose="020F0502020204030204" pitchFamily="34" charset="0"/>
+              </a:rPr>
+              <a:t>hạnh</a:t>
+            </a:r>
+            <a:r>
+              <a:rPr lang="fr-FR" sz="4000" b="1" dirty="0">
+                <a:solidFill>
+                  <a:srgbClr val="000066"/>
+                </a:solidFill>
+                <a:latin typeface="Calibri" panose="020F0502020204030204" pitchFamily="34" charset="0"/>
+                <a:ea typeface="微軟正黑體" pitchFamily="34" charset="-120"/>
+                <a:cs typeface="Calibri" panose="020F0502020204030204" pitchFamily="34" charset="0"/>
+              </a:rPr>
+              <a:t> </a:t>
+            </a:r>
+            <a:r>
+              <a:rPr lang="fr-FR" sz="4000" b="1" dirty="0" err="1">
+                <a:solidFill>
+                  <a:srgbClr val="000066"/>
+                </a:solidFill>
+                <a:latin typeface="Calibri" panose="020F0502020204030204" pitchFamily="34" charset="0"/>
+                <a:ea typeface="微軟正黑體" pitchFamily="34" charset="-120"/>
+                <a:cs typeface="Calibri" panose="020F0502020204030204" pitchFamily="34" charset="0"/>
+              </a:rPr>
+              <a:t>đấy</a:t>
+            </a:r>
+            <a:r>
+              <a:rPr lang="fr-FR" sz="4000" b="1" dirty="0">
                 <a:solidFill>
                   <a:srgbClr val="000066"/>
                 </a:solidFill>
@@ -12861,40 +12918,62 @@
               <a:t>, </a:t>
             </a:r>
             <a:r>
-              <a:rPr lang="fr-FR" sz="3600" b="1" dirty="0" err="1">
-                <a:solidFill>
-                  <a:srgbClr val="000066"/>
-                </a:solidFill>
-                <a:latin typeface="Calibri" panose="020F0502020204030204" pitchFamily="34" charset="0"/>
-                <a:ea typeface="微軟正黑體" pitchFamily="34" charset="-120"/>
-                <a:cs typeface="Calibri" panose="020F0502020204030204" pitchFamily="34" charset="0"/>
-              </a:rPr>
-              <a:t>vinh</a:t>
-            </a:r>
-            <a:r>
-              <a:rPr lang="fr-FR" sz="3600" b="1" dirty="0">
-                <a:solidFill>
-                  <a:srgbClr val="000066"/>
-                </a:solidFill>
-                <a:latin typeface="Calibri" panose="020F0502020204030204" pitchFamily="34" charset="0"/>
-                <a:ea typeface="微軟正黑體" pitchFamily="34" charset="-120"/>
-                <a:cs typeface="Calibri" panose="020F0502020204030204" pitchFamily="34" charset="0"/>
-              </a:rPr>
-              <a:t> </a:t>
-            </a:r>
-            <a:r>
-              <a:rPr lang="fr-FR" sz="3600" b="1" dirty="0" err="1">
-                <a:solidFill>
-                  <a:srgbClr val="000066"/>
-                </a:solidFill>
-                <a:latin typeface="Calibri" panose="020F0502020204030204" pitchFamily="34" charset="0"/>
-                <a:ea typeface="微軟正黑體" pitchFamily="34" charset="-120"/>
-                <a:cs typeface="Calibri" panose="020F0502020204030204" pitchFamily="34" charset="0"/>
-              </a:rPr>
-              <a:t>hiển</a:t>
-            </a:r>
-            <a:r>
-              <a:rPr lang="fr-FR" sz="3600" b="1" dirty="0">
+              <a:rPr lang="fr-FR" sz="4000" b="1" dirty="0" err="1">
+                <a:solidFill>
+                  <a:srgbClr val="000066"/>
+                </a:solidFill>
+                <a:latin typeface="Calibri" panose="020F0502020204030204" pitchFamily="34" charset="0"/>
+                <a:ea typeface="微軟正黑體" pitchFamily="34" charset="-120"/>
+                <a:cs typeface="Calibri" panose="020F0502020204030204" pitchFamily="34" charset="0"/>
+              </a:rPr>
+              <a:t>đêm</a:t>
+            </a:r>
+            <a:r>
+              <a:rPr lang="fr-FR" sz="4000" b="1" dirty="0">
+                <a:solidFill>
+                  <a:srgbClr val="000066"/>
+                </a:solidFill>
+                <a:latin typeface="Calibri" panose="020F0502020204030204" pitchFamily="34" charset="0"/>
+                <a:ea typeface="微軟正黑體" pitchFamily="34" charset="-120"/>
+                <a:cs typeface="Calibri" panose="020F0502020204030204" pitchFamily="34" charset="0"/>
+              </a:rPr>
+              <a:t> </a:t>
+            </a:r>
+            <a:r>
+              <a:rPr lang="fr-FR" sz="4000" b="1" dirty="0" err="1">
+                <a:solidFill>
+                  <a:srgbClr val="000066"/>
+                </a:solidFill>
+                <a:latin typeface="Calibri" panose="020F0502020204030204" pitchFamily="34" charset="0"/>
+                <a:ea typeface="微軟正黑體" pitchFamily="34" charset="-120"/>
+                <a:cs typeface="Calibri" panose="020F0502020204030204" pitchFamily="34" charset="0"/>
+              </a:rPr>
+              <a:t>hòa</a:t>
+            </a:r>
+            <a:r>
+              <a:rPr lang="fr-FR" sz="4000" b="1" dirty="0">
+                <a:solidFill>
+                  <a:srgbClr val="000066"/>
+                </a:solidFill>
+                <a:latin typeface="Calibri" panose="020F0502020204030204" pitchFamily="34" charset="0"/>
+                <a:ea typeface="微軟正黑體" pitchFamily="34" charset="-120"/>
+                <a:cs typeface="Calibri" panose="020F0502020204030204" pitchFamily="34" charset="0"/>
+              </a:rPr>
+              <a:t> </a:t>
+            </a:r>
+            <a:r>
+              <a:rPr lang="fr-FR" sz="4000" b="1" dirty="0" err="1">
+                <a:solidFill>
+                  <a:srgbClr val="000066"/>
+                </a:solidFill>
+                <a:latin typeface="Calibri" panose="020F0502020204030204" pitchFamily="34" charset="0"/>
+                <a:ea typeface="微軟正黑體" pitchFamily="34" charset="-120"/>
+                <a:cs typeface="Calibri" panose="020F0502020204030204" pitchFamily="34" charset="0"/>
+              </a:rPr>
+              <a:t>bình</a:t>
+            </a:r>
+            <a:r>
+              <a:rPr lang="fr-FR" sz="4000" b="1" dirty="0">
                 <a:solidFill>
                   <a:srgbClr val="000066"/>
                 </a:solidFill>
@@ -12905,127 +12984,39 @@
               <a:t>, </a:t>
             </a:r>
             <a:r>
-              <a:rPr lang="fr-FR" sz="3600" b="1" dirty="0" err="1">
-                <a:solidFill>
-                  <a:srgbClr val="000066"/>
-                </a:solidFill>
-                <a:latin typeface="Calibri" panose="020F0502020204030204" pitchFamily="34" charset="0"/>
-                <a:ea typeface="微軟正黑體" pitchFamily="34" charset="-120"/>
-                <a:cs typeface="Calibri" panose="020F0502020204030204" pitchFamily="34" charset="0"/>
-              </a:rPr>
-              <a:t>quyền</a:t>
-            </a:r>
-            <a:r>
-              <a:rPr lang="fr-FR" sz="3600" b="1" dirty="0">
-                <a:solidFill>
-                  <a:srgbClr val="000066"/>
-                </a:solidFill>
-                <a:latin typeface="Calibri" panose="020F0502020204030204" pitchFamily="34" charset="0"/>
-                <a:ea typeface="微軟正黑體" pitchFamily="34" charset="-120"/>
-                <a:cs typeface="Calibri" panose="020F0502020204030204" pitchFamily="34" charset="0"/>
-              </a:rPr>
-              <a:t> </a:t>
-            </a:r>
-            <a:r>
-              <a:rPr lang="fr-FR" sz="3600" b="1" dirty="0" err="1">
-                <a:solidFill>
-                  <a:srgbClr val="000066"/>
-                </a:solidFill>
-                <a:latin typeface="Calibri" panose="020F0502020204030204" pitchFamily="34" charset="0"/>
-                <a:ea typeface="微軟正黑體" pitchFamily="34" charset="-120"/>
-                <a:cs typeface="Calibri" panose="020F0502020204030204" pitchFamily="34" charset="0"/>
-              </a:rPr>
-              <a:t>phép</a:t>
-            </a:r>
-            <a:r>
-              <a:rPr lang="fr-FR" sz="3600" b="1" dirty="0">
-                <a:solidFill>
-                  <a:srgbClr val="000066"/>
-                </a:solidFill>
-                <a:latin typeface="Calibri" panose="020F0502020204030204" pitchFamily="34" charset="0"/>
-                <a:ea typeface="微軟正黑體" pitchFamily="34" charset="-120"/>
-                <a:cs typeface="Calibri" panose="020F0502020204030204" pitchFamily="34" charset="0"/>
-              </a:rPr>
-              <a:t> </a:t>
-            </a:r>
-            <a:r>
-              <a:rPr lang="fr-FR" sz="3600" b="1" dirty="0" err="1">
-                <a:solidFill>
-                  <a:srgbClr val="000066"/>
-                </a:solidFill>
-                <a:latin typeface="Calibri" panose="020F0502020204030204" pitchFamily="34" charset="0"/>
-                <a:ea typeface="微軟正黑體" pitchFamily="34" charset="-120"/>
-                <a:cs typeface="Calibri" panose="020F0502020204030204" pitchFamily="34" charset="0"/>
-              </a:rPr>
-              <a:t>cho</a:t>
-            </a:r>
-            <a:r>
-              <a:rPr lang="fr-FR" sz="3600" b="1" dirty="0">
-                <a:solidFill>
-                  <a:srgbClr val="000066"/>
-                </a:solidFill>
-                <a:latin typeface="Calibri" panose="020F0502020204030204" pitchFamily="34" charset="0"/>
-                <a:ea typeface="微軟正黑體" pitchFamily="34" charset="-120"/>
-                <a:cs typeface="Calibri" panose="020F0502020204030204" pitchFamily="34" charset="0"/>
-              </a:rPr>
-              <a:t> </a:t>
-            </a:r>
-            <a:r>
-              <a:rPr lang="fr-FR" sz="3600" b="1" dirty="0" err="1">
-                <a:solidFill>
-                  <a:srgbClr val="000066"/>
-                </a:solidFill>
-                <a:latin typeface="Calibri" panose="020F0502020204030204" pitchFamily="34" charset="0"/>
-                <a:ea typeface="微軟正黑體" pitchFamily="34" charset="-120"/>
-                <a:cs typeface="Calibri" panose="020F0502020204030204" pitchFamily="34" charset="0"/>
-              </a:rPr>
-              <a:t>đến</a:t>
-            </a:r>
-            <a:r>
-              <a:rPr lang="fr-FR" sz="3600" b="1" dirty="0">
-                <a:solidFill>
-                  <a:srgbClr val="000066"/>
-                </a:solidFill>
-                <a:latin typeface="Calibri" panose="020F0502020204030204" pitchFamily="34" charset="0"/>
-                <a:ea typeface="微軟正黑體" pitchFamily="34" charset="-120"/>
-                <a:cs typeface="Calibri" panose="020F0502020204030204" pitchFamily="34" charset="0"/>
-              </a:rPr>
-              <a:t> </a:t>
-            </a:r>
-            <a:r>
-              <a:rPr lang="fr-FR" sz="3600" b="1" dirty="0" err="1">
-                <a:solidFill>
-                  <a:srgbClr val="000066"/>
-                </a:solidFill>
-                <a:latin typeface="Calibri" panose="020F0502020204030204" pitchFamily="34" charset="0"/>
-                <a:ea typeface="微軟正黑體" pitchFamily="34" charset="-120"/>
-                <a:cs typeface="Calibri" panose="020F0502020204030204" pitchFamily="34" charset="0"/>
-              </a:rPr>
-              <a:t>đời</a:t>
-            </a:r>
-            <a:r>
-              <a:rPr lang="fr-FR" sz="3600" b="1" dirty="0">
-                <a:solidFill>
-                  <a:srgbClr val="000066"/>
-                </a:solidFill>
-                <a:latin typeface="Calibri" panose="020F0502020204030204" pitchFamily="34" charset="0"/>
-                <a:ea typeface="微軟正黑體" pitchFamily="34" charset="-120"/>
-                <a:cs typeface="Calibri" panose="020F0502020204030204" pitchFamily="34" charset="0"/>
-              </a:rPr>
-              <a:t> </a:t>
-            </a:r>
-            <a:r>
-              <a:rPr lang="fr-FR" sz="3600" b="1" dirty="0" err="1">
-                <a:solidFill>
-                  <a:srgbClr val="000066"/>
-                </a:solidFill>
-                <a:latin typeface="Calibri" panose="020F0502020204030204" pitchFamily="34" charset="0"/>
-                <a:ea typeface="微軟正黑體" pitchFamily="34" charset="-120"/>
-                <a:cs typeface="Calibri" panose="020F0502020204030204" pitchFamily="34" charset="0"/>
-              </a:rPr>
-              <a:t>đời</a:t>
-            </a:r>
-            <a:endParaRPr lang="en-US" altLang="zh-TW" sz="3600" b="1" dirty="0">
+              <a:rPr lang="fr-FR" sz="4000" b="1" dirty="0" err="1">
+                <a:solidFill>
+                  <a:srgbClr val="000066"/>
+                </a:solidFill>
+                <a:latin typeface="Calibri" panose="020F0502020204030204" pitchFamily="34" charset="0"/>
+                <a:ea typeface="微軟正黑體" pitchFamily="34" charset="-120"/>
+                <a:cs typeface="Calibri" panose="020F0502020204030204" pitchFamily="34" charset="0"/>
+              </a:rPr>
+              <a:t>đêm</a:t>
+            </a:r>
+            <a:r>
+              <a:rPr lang="fr-FR" sz="4000" b="1" dirty="0">
+                <a:solidFill>
+                  <a:srgbClr val="000066"/>
+                </a:solidFill>
+                <a:latin typeface="Calibri" panose="020F0502020204030204" pitchFamily="34" charset="0"/>
+                <a:ea typeface="微軟正黑體" pitchFamily="34" charset="-120"/>
+                <a:cs typeface="Calibri" panose="020F0502020204030204" pitchFamily="34" charset="0"/>
+              </a:rPr>
+              <a:t> an </a:t>
+            </a:r>
+            <a:r>
+              <a:rPr lang="fr-FR" sz="4000" b="1" dirty="0" err="1">
+                <a:solidFill>
+                  <a:srgbClr val="000066"/>
+                </a:solidFill>
+                <a:latin typeface="Calibri" panose="020F0502020204030204" pitchFamily="34" charset="0"/>
+                <a:ea typeface="微軟正黑體" pitchFamily="34" charset="-120"/>
+                <a:cs typeface="Calibri" panose="020F0502020204030204" pitchFamily="34" charset="0"/>
+              </a:rPr>
+              <a:t>ninh</a:t>
+            </a:r>
+            <a:endParaRPr lang="en-US" altLang="zh-TW" sz="4000" b="1" dirty="0">
               <a:solidFill>
                 <a:srgbClr val="000066"/>
               </a:solidFill>
@@ -13467,18 +13458,18 @@
               <a:t> </a:t>
             </a:r>
             <a:r>
-              <a:rPr lang="fr-FR" sz="4000" b="1" dirty="0" err="1">
-                <a:solidFill>
-                  <a:srgbClr val="000066"/>
-                </a:solidFill>
-                <a:latin typeface="Calibri" panose="020F0502020204030204" pitchFamily="34" charset="0"/>
-                <a:ea typeface="微軟正黑體" pitchFamily="34" charset="-120"/>
-                <a:cs typeface="Calibri" panose="020F0502020204030204" pitchFamily="34" charset="0"/>
-              </a:rPr>
-              <a:t>kinh</a:t>
-            </a:r>
-            <a:r>
-              <a:rPr lang="fr-FR" sz="4000" b="1" dirty="0">
+              <a:rPr lang="fr-FR" sz="4000" b="1" dirty="0" err="1" smtClean="0">
+                <a:solidFill>
+                  <a:srgbClr val="000066"/>
+                </a:solidFill>
+                <a:latin typeface="Calibri" panose="020F0502020204030204" pitchFamily="34" charset="0"/>
+                <a:ea typeface="微軟正黑體" pitchFamily="34" charset="-120"/>
+                <a:cs typeface="Calibri" panose="020F0502020204030204" pitchFamily="34" charset="0"/>
+              </a:rPr>
+              <a:t>huy</a:t>
+            </a:r>
+            <a:r>
+              <a:rPr lang="fr-FR" sz="4000" b="1" dirty="0" smtClean="0">
                 <a:solidFill>
                   <a:srgbClr val="000066"/>
                 </a:solidFill>
@@ -13776,84 +13767,84 @@
               <a:buNone/>
             </a:pPr>
             <a:r>
-              <a:rPr lang="fr-FR" sz="3600" b="1" dirty="0" err="1">
-                <a:solidFill>
-                  <a:srgbClr val="000066"/>
-                </a:solidFill>
-                <a:latin typeface="Calibri" panose="020F0502020204030204" pitchFamily="34" charset="0"/>
-                <a:ea typeface="微軟正黑體" pitchFamily="34" charset="-120"/>
-                <a:cs typeface="Calibri" panose="020F0502020204030204" pitchFamily="34" charset="0"/>
-              </a:rPr>
-              <a:t>Nguyện</a:t>
-            </a:r>
-            <a:r>
-              <a:rPr lang="fr-FR" sz="3600" b="1" dirty="0">
-                <a:solidFill>
-                  <a:srgbClr val="000066"/>
-                </a:solidFill>
-                <a:latin typeface="Calibri" panose="020F0502020204030204" pitchFamily="34" charset="0"/>
-                <a:ea typeface="微軟正黑體" pitchFamily="34" charset="-120"/>
-                <a:cs typeface="Calibri" panose="020F0502020204030204" pitchFamily="34" charset="0"/>
-              </a:rPr>
-              <a:t> </a:t>
-            </a:r>
-            <a:r>
-              <a:rPr lang="fr-FR" sz="3600" b="1" dirty="0" err="1">
-                <a:solidFill>
-                  <a:srgbClr val="000066"/>
-                </a:solidFill>
-                <a:latin typeface="Calibri" panose="020F0502020204030204" pitchFamily="34" charset="0"/>
-                <a:ea typeface="微軟正黑體" pitchFamily="34" charset="-120"/>
-                <a:cs typeface="Calibri" panose="020F0502020204030204" pitchFamily="34" charset="0"/>
-              </a:rPr>
-              <a:t>sự</a:t>
-            </a:r>
-            <a:r>
-              <a:rPr lang="fr-FR" sz="3600" b="1" dirty="0">
-                <a:solidFill>
-                  <a:srgbClr val="000066"/>
-                </a:solidFill>
-                <a:latin typeface="Calibri" panose="020F0502020204030204" pitchFamily="34" charset="0"/>
-                <a:ea typeface="微軟正黑體" pitchFamily="34" charset="-120"/>
-                <a:cs typeface="Calibri" panose="020F0502020204030204" pitchFamily="34" charset="0"/>
-              </a:rPr>
-              <a:t> </a:t>
-            </a:r>
-            <a:r>
-              <a:rPr lang="fr-FR" sz="3600" b="1" dirty="0" err="1">
-                <a:solidFill>
-                  <a:srgbClr val="000066"/>
-                </a:solidFill>
-                <a:latin typeface="Calibri" panose="020F0502020204030204" pitchFamily="34" charset="0"/>
-                <a:ea typeface="微軟正黑體" pitchFamily="34" charset="-120"/>
-                <a:cs typeface="Calibri" panose="020F0502020204030204" pitchFamily="34" charset="0"/>
-              </a:rPr>
-              <a:t>tôn</a:t>
-            </a:r>
-            <a:r>
-              <a:rPr lang="fr-FR" sz="3600" b="1" dirty="0">
-                <a:solidFill>
-                  <a:srgbClr val="000066"/>
-                </a:solidFill>
-                <a:latin typeface="Calibri" panose="020F0502020204030204" pitchFamily="34" charset="0"/>
-                <a:ea typeface="微軟正黑體" pitchFamily="34" charset="-120"/>
-                <a:cs typeface="Calibri" panose="020F0502020204030204" pitchFamily="34" charset="0"/>
-              </a:rPr>
-              <a:t> </a:t>
-            </a:r>
-            <a:r>
-              <a:rPr lang="fr-FR" sz="3600" b="1" dirty="0" err="1">
-                <a:solidFill>
-                  <a:srgbClr val="000066"/>
-                </a:solidFill>
-                <a:latin typeface="Calibri" panose="020F0502020204030204" pitchFamily="34" charset="0"/>
-                <a:ea typeface="微軟正黑體" pitchFamily="34" charset="-120"/>
-                <a:cs typeface="Calibri" panose="020F0502020204030204" pitchFamily="34" charset="0"/>
-              </a:rPr>
-              <a:t>quý</a:t>
-            </a:r>
-            <a:r>
-              <a:rPr lang="fr-FR" sz="3600" b="1" dirty="0">
+              <a:rPr lang="fr-FR" sz="4000" b="1" dirty="0" err="1">
+                <a:solidFill>
+                  <a:srgbClr val="000066"/>
+                </a:solidFill>
+                <a:latin typeface="Calibri" panose="020F0502020204030204" pitchFamily="34" charset="0"/>
+                <a:ea typeface="微軟正黑體" pitchFamily="34" charset="-120"/>
+                <a:cs typeface="Calibri" panose="020F0502020204030204" pitchFamily="34" charset="0"/>
+              </a:rPr>
+              <a:t>Ðêm</a:t>
+            </a:r>
+            <a:r>
+              <a:rPr lang="fr-FR" sz="4000" b="1" dirty="0">
+                <a:solidFill>
+                  <a:srgbClr val="000066"/>
+                </a:solidFill>
+                <a:latin typeface="Calibri" panose="020F0502020204030204" pitchFamily="34" charset="0"/>
+                <a:ea typeface="微軟正黑體" pitchFamily="34" charset="-120"/>
+                <a:cs typeface="Calibri" panose="020F0502020204030204" pitchFamily="34" charset="0"/>
+              </a:rPr>
+              <a:t> </a:t>
+            </a:r>
+            <a:r>
+              <a:rPr lang="fr-FR" sz="4000" b="1" dirty="0" err="1">
+                <a:solidFill>
+                  <a:srgbClr val="000066"/>
+                </a:solidFill>
+                <a:latin typeface="Calibri" panose="020F0502020204030204" pitchFamily="34" charset="0"/>
+                <a:ea typeface="微軟正黑體" pitchFamily="34" charset="-120"/>
+                <a:cs typeface="Calibri" panose="020F0502020204030204" pitchFamily="34" charset="0"/>
+              </a:rPr>
+              <a:t>Chúa</a:t>
+            </a:r>
+            <a:r>
+              <a:rPr lang="fr-FR" sz="4000" b="1" dirty="0">
+                <a:solidFill>
+                  <a:srgbClr val="000066"/>
+                </a:solidFill>
+                <a:latin typeface="Calibri" panose="020F0502020204030204" pitchFamily="34" charset="0"/>
+                <a:ea typeface="微軟正黑體" pitchFamily="34" charset="-120"/>
+                <a:cs typeface="Calibri" panose="020F0502020204030204" pitchFamily="34" charset="0"/>
+              </a:rPr>
+              <a:t> </a:t>
+            </a:r>
+            <a:r>
+              <a:rPr lang="fr-FR" sz="4000" b="1" dirty="0" err="1">
+                <a:solidFill>
+                  <a:srgbClr val="000066"/>
+                </a:solidFill>
+                <a:latin typeface="Calibri" panose="020F0502020204030204" pitchFamily="34" charset="0"/>
+                <a:ea typeface="微軟正黑體" pitchFamily="34" charset="-120"/>
+                <a:cs typeface="Calibri" panose="020F0502020204030204" pitchFamily="34" charset="0"/>
+              </a:rPr>
+              <a:t>từ</a:t>
+            </a:r>
+            <a:r>
+              <a:rPr lang="fr-FR" sz="4000" b="1" dirty="0">
+                <a:solidFill>
+                  <a:srgbClr val="000066"/>
+                </a:solidFill>
+                <a:latin typeface="Calibri" panose="020F0502020204030204" pitchFamily="34" charset="0"/>
+                <a:ea typeface="微軟正黑體" pitchFamily="34" charset="-120"/>
+                <a:cs typeface="Calibri" panose="020F0502020204030204" pitchFamily="34" charset="0"/>
+              </a:rPr>
+              <a:t> </a:t>
+            </a:r>
+            <a:r>
+              <a:rPr lang="fr-FR" sz="4000" b="1" dirty="0" err="1">
+                <a:solidFill>
+                  <a:srgbClr val="000066"/>
+                </a:solidFill>
+                <a:latin typeface="Calibri" panose="020F0502020204030204" pitchFamily="34" charset="0"/>
+                <a:ea typeface="微軟正黑體" pitchFamily="34" charset="-120"/>
+                <a:cs typeface="Calibri" panose="020F0502020204030204" pitchFamily="34" charset="0"/>
+              </a:rPr>
+              <a:t>ái</a:t>
+            </a:r>
+            <a:r>
+              <a:rPr lang="fr-FR" sz="4000" b="1" dirty="0">
                 <a:solidFill>
                   <a:srgbClr val="000066"/>
                 </a:solidFill>
@@ -13864,171 +13855,105 @@
               <a:t>, </a:t>
             </a:r>
             <a:r>
-              <a:rPr lang="fr-FR" sz="3600" b="1" dirty="0" err="1">
-                <a:solidFill>
-                  <a:srgbClr val="000066"/>
-                </a:solidFill>
-                <a:latin typeface="Calibri" panose="020F0502020204030204" pitchFamily="34" charset="0"/>
-                <a:ea typeface="微軟正黑體" pitchFamily="34" charset="-120"/>
-                <a:cs typeface="Calibri" panose="020F0502020204030204" pitchFamily="34" charset="0"/>
-              </a:rPr>
-              <a:t>vinh</a:t>
-            </a:r>
-            <a:r>
-              <a:rPr lang="fr-FR" sz="3600" b="1" dirty="0">
-                <a:solidFill>
-                  <a:srgbClr val="000066"/>
-                </a:solidFill>
-                <a:latin typeface="Calibri" panose="020F0502020204030204" pitchFamily="34" charset="0"/>
-                <a:ea typeface="微軟正黑體" pitchFamily="34" charset="-120"/>
-                <a:cs typeface="Calibri" panose="020F0502020204030204" pitchFamily="34" charset="0"/>
-              </a:rPr>
-              <a:t> </a:t>
-            </a:r>
-            <a:r>
-              <a:rPr lang="fr-FR" sz="3600" b="1" dirty="0" err="1">
-                <a:solidFill>
-                  <a:srgbClr val="000066"/>
-                </a:solidFill>
-                <a:latin typeface="Calibri" panose="020F0502020204030204" pitchFamily="34" charset="0"/>
-                <a:ea typeface="微軟正黑體" pitchFamily="34" charset="-120"/>
-                <a:cs typeface="Calibri" panose="020F0502020204030204" pitchFamily="34" charset="0"/>
-              </a:rPr>
-              <a:t>hiển</a:t>
-            </a:r>
-            <a:r>
-              <a:rPr lang="fr-FR" sz="3600" b="1" dirty="0">
-                <a:solidFill>
-                  <a:srgbClr val="000066"/>
-                </a:solidFill>
-                <a:latin typeface="Calibri" panose="020F0502020204030204" pitchFamily="34" charset="0"/>
-                <a:ea typeface="微軟正黑體" pitchFamily="34" charset="-120"/>
-                <a:cs typeface="Calibri" panose="020F0502020204030204" pitchFamily="34" charset="0"/>
-              </a:rPr>
-              <a:t>, </a:t>
-            </a:r>
-            <a:r>
-              <a:rPr lang="fr-FR" sz="3600" b="1" dirty="0" err="1">
-                <a:solidFill>
-                  <a:srgbClr val="000066"/>
-                </a:solidFill>
-                <a:latin typeface="Calibri" panose="020F0502020204030204" pitchFamily="34" charset="0"/>
-                <a:ea typeface="微軟正黑體" pitchFamily="34" charset="-120"/>
-                <a:cs typeface="Calibri" panose="020F0502020204030204" pitchFamily="34" charset="0"/>
-              </a:rPr>
-              <a:t>quyền</a:t>
-            </a:r>
-            <a:r>
-              <a:rPr lang="fr-FR" sz="3600" b="1" dirty="0">
-                <a:solidFill>
-                  <a:srgbClr val="000066"/>
-                </a:solidFill>
-                <a:latin typeface="Calibri" panose="020F0502020204030204" pitchFamily="34" charset="0"/>
-                <a:ea typeface="微軟正黑體" pitchFamily="34" charset="-120"/>
-                <a:cs typeface="Calibri" panose="020F0502020204030204" pitchFamily="34" charset="0"/>
-              </a:rPr>
-              <a:t> </a:t>
-            </a:r>
-            <a:r>
-              <a:rPr lang="fr-FR" sz="3600" b="1" dirty="0" err="1">
-                <a:solidFill>
-                  <a:srgbClr val="000066"/>
-                </a:solidFill>
-                <a:latin typeface="Calibri" panose="020F0502020204030204" pitchFamily="34" charset="0"/>
-                <a:ea typeface="微軟正黑體" pitchFamily="34" charset="-120"/>
-                <a:cs typeface="Calibri" panose="020F0502020204030204" pitchFamily="34" charset="0"/>
-              </a:rPr>
-              <a:t>phép</a:t>
-            </a:r>
-            <a:r>
-              <a:rPr lang="fr-FR" sz="3600" b="1" dirty="0">
-                <a:solidFill>
-                  <a:srgbClr val="000066"/>
-                </a:solidFill>
-                <a:latin typeface="Calibri" panose="020F0502020204030204" pitchFamily="34" charset="0"/>
-                <a:ea typeface="微軟正黑體" pitchFamily="34" charset="-120"/>
-                <a:cs typeface="Calibri" panose="020F0502020204030204" pitchFamily="34" charset="0"/>
-              </a:rPr>
-              <a:t> </a:t>
-            </a:r>
-            <a:r>
-              <a:rPr lang="fr-FR" sz="3600" b="1" dirty="0" err="1">
-                <a:solidFill>
-                  <a:srgbClr val="000066"/>
-                </a:solidFill>
-                <a:latin typeface="Calibri" panose="020F0502020204030204" pitchFamily="34" charset="0"/>
-                <a:ea typeface="微軟正黑體" pitchFamily="34" charset="-120"/>
-                <a:cs typeface="Calibri" panose="020F0502020204030204" pitchFamily="34" charset="0"/>
-              </a:rPr>
-              <a:t>cho</a:t>
-            </a:r>
-            <a:r>
-              <a:rPr lang="fr-FR" sz="3600" b="1" dirty="0">
-                <a:solidFill>
-                  <a:srgbClr val="000066"/>
-                </a:solidFill>
-                <a:latin typeface="Calibri" panose="020F0502020204030204" pitchFamily="34" charset="0"/>
-                <a:ea typeface="微軟正黑體" pitchFamily="34" charset="-120"/>
-                <a:cs typeface="Calibri" panose="020F0502020204030204" pitchFamily="34" charset="0"/>
-              </a:rPr>
-              <a:t> </a:t>
-            </a:r>
-            <a:r>
-              <a:rPr lang="fr-FR" sz="3600" b="1" dirty="0" err="1">
-                <a:solidFill>
-                  <a:srgbClr val="000066"/>
-                </a:solidFill>
-                <a:latin typeface="Calibri" panose="020F0502020204030204" pitchFamily="34" charset="0"/>
-                <a:ea typeface="微軟正黑體" pitchFamily="34" charset="-120"/>
-                <a:cs typeface="Calibri" panose="020F0502020204030204" pitchFamily="34" charset="0"/>
-              </a:rPr>
-              <a:t>đến</a:t>
-            </a:r>
-            <a:r>
-              <a:rPr lang="fr-FR" sz="3600" b="1" dirty="0">
-                <a:solidFill>
-                  <a:srgbClr val="000066"/>
-                </a:solidFill>
-                <a:latin typeface="Calibri" panose="020F0502020204030204" pitchFamily="34" charset="0"/>
-                <a:ea typeface="微軟正黑體" pitchFamily="34" charset="-120"/>
-                <a:cs typeface="Calibri" panose="020F0502020204030204" pitchFamily="34" charset="0"/>
-              </a:rPr>
-              <a:t> </a:t>
-            </a:r>
-            <a:r>
-              <a:rPr lang="fr-FR" sz="3600" b="1" dirty="0" err="1">
-                <a:solidFill>
-                  <a:srgbClr val="000066"/>
-                </a:solidFill>
-                <a:latin typeface="Calibri" panose="020F0502020204030204" pitchFamily="34" charset="0"/>
-                <a:ea typeface="微軟正黑體" pitchFamily="34" charset="-120"/>
-                <a:cs typeface="Calibri" panose="020F0502020204030204" pitchFamily="34" charset="0"/>
-              </a:rPr>
-              <a:t>đời</a:t>
-            </a:r>
-            <a:r>
-              <a:rPr lang="fr-FR" sz="3600" b="1" dirty="0">
-                <a:solidFill>
-                  <a:srgbClr val="000066"/>
-                </a:solidFill>
-                <a:latin typeface="Calibri" panose="020F0502020204030204" pitchFamily="34" charset="0"/>
-                <a:ea typeface="微軟正黑體" pitchFamily="34" charset="-120"/>
-                <a:cs typeface="Calibri" panose="020F0502020204030204" pitchFamily="34" charset="0"/>
-              </a:rPr>
-              <a:t> </a:t>
-            </a:r>
-            <a:r>
-              <a:rPr lang="fr-FR" sz="3600" b="1" dirty="0" err="1">
-                <a:solidFill>
-                  <a:srgbClr val="000066"/>
-                </a:solidFill>
-                <a:latin typeface="Calibri" panose="020F0502020204030204" pitchFamily="34" charset="0"/>
-                <a:ea typeface="微軟正黑體" pitchFamily="34" charset="-120"/>
-                <a:cs typeface="Calibri" panose="020F0502020204030204" pitchFamily="34" charset="0"/>
-              </a:rPr>
-              <a:t>đời</a:t>
-            </a:r>
-            <a:endParaRPr lang="en-US" altLang="zh-TW" sz="3600" b="1" dirty="0">
+              <a:rPr lang="en-US" sz="4000" b="1" dirty="0" err="1">
+                <a:solidFill>
+                  <a:srgbClr val="000066"/>
+                </a:solidFill>
+                <a:latin typeface="Calibri" panose="020F0502020204030204" pitchFamily="34" charset="0"/>
+                <a:ea typeface="微軟正黑體" pitchFamily="34" charset="-120"/>
+                <a:cs typeface="Calibri" panose="020F0502020204030204" pitchFamily="34" charset="0"/>
+              </a:rPr>
+              <a:t>chính</a:t>
+            </a:r>
+            <a:r>
+              <a:rPr lang="en-US" sz="4000" b="1" dirty="0">
+                <a:solidFill>
+                  <a:srgbClr val="000066"/>
+                </a:solidFill>
+                <a:latin typeface="Calibri" panose="020F0502020204030204" pitchFamily="34" charset="0"/>
+                <a:ea typeface="微軟正黑體" pitchFamily="34" charset="-120"/>
+                <a:cs typeface="Calibri" panose="020F0502020204030204" pitchFamily="34" charset="0"/>
+              </a:rPr>
+              <a:t> </a:t>
+            </a:r>
+            <a:r>
+              <a:rPr lang="en-US" sz="4000" b="1" dirty="0" err="1">
+                <a:solidFill>
+                  <a:srgbClr val="000066"/>
+                </a:solidFill>
+                <a:latin typeface="Calibri" panose="020F0502020204030204" pitchFamily="34" charset="0"/>
+                <a:ea typeface="微軟正黑體" pitchFamily="34" charset="-120"/>
+                <a:cs typeface="Calibri" panose="020F0502020204030204" pitchFamily="34" charset="0"/>
+              </a:rPr>
+              <a:t>đêm</a:t>
+            </a:r>
+            <a:r>
+              <a:rPr lang="en-US" sz="4000" b="1" dirty="0">
+                <a:solidFill>
+                  <a:srgbClr val="000066"/>
+                </a:solidFill>
+                <a:latin typeface="Calibri" panose="020F0502020204030204" pitchFamily="34" charset="0"/>
+                <a:ea typeface="微軟正黑體" pitchFamily="34" charset="-120"/>
+                <a:cs typeface="Calibri" panose="020F0502020204030204" pitchFamily="34" charset="0"/>
+              </a:rPr>
+              <a:t> </a:t>
+            </a:r>
+            <a:r>
+              <a:rPr lang="en-US" sz="4000" b="1" dirty="0" err="1">
+                <a:solidFill>
+                  <a:srgbClr val="000066"/>
+                </a:solidFill>
+                <a:latin typeface="Calibri" panose="020F0502020204030204" pitchFamily="34" charset="0"/>
+                <a:ea typeface="微軟正黑體" pitchFamily="34" charset="-120"/>
+                <a:cs typeface="Calibri" panose="020F0502020204030204" pitchFamily="34" charset="0"/>
+              </a:rPr>
+              <a:t>Jê-sus</a:t>
+            </a:r>
+            <a:r>
+              <a:rPr lang="en-US" sz="4000" b="1" dirty="0">
+                <a:solidFill>
+                  <a:srgbClr val="000066"/>
+                </a:solidFill>
+                <a:latin typeface="Calibri" panose="020F0502020204030204" pitchFamily="34" charset="0"/>
+                <a:ea typeface="微軟正黑體" pitchFamily="34" charset="-120"/>
+                <a:cs typeface="Calibri" panose="020F0502020204030204" pitchFamily="34" charset="0"/>
+              </a:rPr>
+              <a:t> </a:t>
+            </a:r>
+            <a:r>
+              <a:rPr lang="en-US" sz="4000" b="1" dirty="0" err="1">
+                <a:solidFill>
+                  <a:srgbClr val="000066"/>
+                </a:solidFill>
+                <a:latin typeface="Calibri" panose="020F0502020204030204" pitchFamily="34" charset="0"/>
+                <a:ea typeface="微軟正黑體" pitchFamily="34" charset="-120"/>
+                <a:cs typeface="Calibri" panose="020F0502020204030204" pitchFamily="34" charset="0"/>
+              </a:rPr>
+              <a:t>giáng</a:t>
+            </a:r>
+            <a:r>
+              <a:rPr lang="en-US" sz="4000" b="1" dirty="0">
+                <a:solidFill>
+                  <a:srgbClr val="000066"/>
+                </a:solidFill>
+                <a:latin typeface="Calibri" panose="020F0502020204030204" pitchFamily="34" charset="0"/>
+                <a:ea typeface="微軟正黑體" pitchFamily="34" charset="-120"/>
+                <a:cs typeface="Calibri" panose="020F0502020204030204" pitchFamily="34" charset="0"/>
+              </a:rPr>
+              <a:t> </a:t>
+            </a:r>
+            <a:r>
+              <a:rPr lang="en-US" sz="4000" b="1" dirty="0" err="1">
+                <a:solidFill>
+                  <a:srgbClr val="000066"/>
+                </a:solidFill>
+                <a:latin typeface="Calibri" panose="020F0502020204030204" pitchFamily="34" charset="0"/>
+                <a:ea typeface="微軟正黑體" pitchFamily="34" charset="-120"/>
+                <a:cs typeface="Calibri" panose="020F0502020204030204" pitchFamily="34" charset="0"/>
+              </a:rPr>
+              <a:t>sinh</a:t>
+            </a:r>
+            <a:endParaRPr lang="en-US" altLang="zh-TW" sz="4000" b="1" dirty="0">
               <a:solidFill>
                 <a:srgbClr val="000066"/>
               </a:solidFill>
@@ -14060,1572 +13985,6 @@
 </file>
 
 <file path=ppt/slides/slide31.xml><?xml version="1.0" encoding="utf-8"?>
-<p:sld xmlns:a="http://schemas.openxmlformats.org/drawingml/2006/main" xmlns:r="http://schemas.openxmlformats.org/officeDocument/2006/relationships" xmlns:p="http://schemas.openxmlformats.org/presentationml/2006/main">
-  <p:cSld>
-    <p:spTree>
-      <p:nvGrpSpPr>
-        <p:cNvPr id="1" name=""/>
-        <p:cNvGrpSpPr/>
-        <p:nvPr/>
-      </p:nvGrpSpPr>
-      <p:grpSpPr>
-        <a:xfrm>
-          <a:off x="0" y="0"/>
-          <a:ext cx="0" cy="0"/>
-          <a:chOff x="0" y="0"/>
-          <a:chExt cx="0" cy="0"/>
-        </a:xfrm>
-      </p:grpSpPr>
-      <p:sp>
-        <p:nvSpPr>
-          <p:cNvPr id="5" name="內容版面配置區 4"/>
-          <p:cNvSpPr>
-            <a:spLocks noGrp="1"/>
-          </p:cNvSpPr>
-          <p:nvPr>
-            <p:ph idx="1"/>
-          </p:nvPr>
-        </p:nvSpPr>
-        <p:spPr>
-          <a:xfrm>
-            <a:off x="0" y="2167979"/>
-            <a:ext cx="12192000" cy="1318225"/>
-          </a:xfrm>
-        </p:spPr>
-        <p:txBody>
-          <a:bodyPr anchor="ctr">
-            <a:normAutofit/>
-          </a:bodyPr>
-          <a:lstStyle/>
-          <a:p>
-            <a:pPr marL="0" indent="0" algn="ctr">
-              <a:buNone/>
-              <a:defRPr/>
-            </a:pPr>
-            <a:r>
-              <a:rPr lang="zh-TW" altLang="en-US" sz="6400" b="1" dirty="0">
-                <a:solidFill>
-                  <a:srgbClr val="660033"/>
-                </a:solidFill>
-                <a:latin typeface="微軟正黑體" pitchFamily="34" charset="-120"/>
-                <a:ea typeface="微軟正黑體" pitchFamily="34" charset="-120"/>
-              </a:rPr>
-              <a:t>俯伏敬</a:t>
-            </a:r>
-            <a:r>
-              <a:rPr lang="zh-TW" altLang="en-US" sz="6400" b="1" dirty="0" smtClean="0">
-                <a:solidFill>
-                  <a:srgbClr val="660033"/>
-                </a:solidFill>
-                <a:latin typeface="微軟正黑體" pitchFamily="34" charset="-120"/>
-                <a:ea typeface="微軟正黑體" pitchFamily="34" charset="-120"/>
-              </a:rPr>
-              <a:t>拜  讓</a:t>
-            </a:r>
-            <a:r>
-              <a:rPr lang="zh-TW" altLang="en-US" sz="6400" b="1" dirty="0">
-                <a:solidFill>
-                  <a:srgbClr val="660033"/>
-                </a:solidFill>
-                <a:latin typeface="微軟正黑體" pitchFamily="34" charset="-120"/>
-                <a:ea typeface="微軟正黑體" pitchFamily="34" charset="-120"/>
-              </a:rPr>
-              <a:t>讚美聲傳萬邦</a:t>
-            </a:r>
-            <a:endParaRPr lang="en-US" altLang="zh-CN" sz="6400" b="1" dirty="0">
-              <a:solidFill>
-                <a:srgbClr val="660033"/>
-              </a:solidFill>
-              <a:latin typeface="微軟正黑體" pitchFamily="34" charset="-120"/>
-              <a:ea typeface="微軟正黑體" pitchFamily="34" charset="-120"/>
-            </a:endParaRPr>
-          </a:p>
-        </p:txBody>
-      </p:sp>
-      <p:sp>
-        <p:nvSpPr>
-          <p:cNvPr id="3" name="內容版面配置區 4"/>
-          <p:cNvSpPr txBox="1">
-            <a:spLocks/>
-          </p:cNvSpPr>
-          <p:nvPr/>
-        </p:nvSpPr>
-        <p:spPr>
-          <a:xfrm>
-            <a:off x="0" y="3117529"/>
-            <a:ext cx="12192000" cy="1318225"/>
-          </a:xfrm>
-          <a:prstGeom prst="rect">
-            <a:avLst/>
-          </a:prstGeom>
-        </p:spPr>
-        <p:txBody>
-          <a:bodyPr vert="horz" lIns="91440" tIns="45720" rIns="91440" bIns="45720" rtlCol="0" anchor="ctr">
-            <a:normAutofit/>
-          </a:bodyPr>
-          <a:lstStyle>
-            <a:lvl1pPr marL="457189" indent="-457189" algn="l" defTabSz="1219170" rtl="0" eaLnBrk="1" latinLnBrk="0" hangingPunct="1">
-              <a:spcBef>
-                <a:spcPct val="20000"/>
-              </a:spcBef>
-              <a:buFont typeface="Arial" pitchFamily="34" charset="0"/>
-              <a:buChar char="•"/>
-              <a:defRPr sz="4267" kern="1200">
-                <a:solidFill>
-                  <a:schemeClr val="tx1"/>
-                </a:solidFill>
-                <a:latin typeface="+mn-lt"/>
-                <a:ea typeface="+mn-ea"/>
-                <a:cs typeface="+mn-cs"/>
-              </a:defRPr>
-            </a:lvl1pPr>
-            <a:lvl2pPr marL="990575" indent="-380990" algn="l" defTabSz="1219170" rtl="0" eaLnBrk="1" latinLnBrk="0" hangingPunct="1">
-              <a:spcBef>
-                <a:spcPct val="20000"/>
-              </a:spcBef>
-              <a:buFont typeface="Arial" pitchFamily="34" charset="0"/>
-              <a:buChar char="–"/>
-              <a:defRPr sz="3733" kern="1200">
-                <a:solidFill>
-                  <a:schemeClr val="tx1"/>
-                </a:solidFill>
-                <a:latin typeface="+mn-lt"/>
-                <a:ea typeface="+mn-ea"/>
-                <a:cs typeface="+mn-cs"/>
-              </a:defRPr>
-            </a:lvl2pPr>
-            <a:lvl3pPr marL="1523962" indent="-304792" algn="l" defTabSz="1219170" rtl="0" eaLnBrk="1" latinLnBrk="0" hangingPunct="1">
-              <a:spcBef>
-                <a:spcPct val="20000"/>
-              </a:spcBef>
-              <a:buFont typeface="Arial" pitchFamily="34" charset="0"/>
-              <a:buChar char="•"/>
-              <a:defRPr sz="3200" kern="1200">
-                <a:solidFill>
-                  <a:schemeClr val="tx1"/>
-                </a:solidFill>
-                <a:latin typeface="+mn-lt"/>
-                <a:ea typeface="+mn-ea"/>
-                <a:cs typeface="+mn-cs"/>
-              </a:defRPr>
-            </a:lvl3pPr>
-            <a:lvl4pPr marL="2133547" indent="-304792" algn="l" defTabSz="1219170" rtl="0" eaLnBrk="1" latinLnBrk="0" hangingPunct="1">
-              <a:spcBef>
-                <a:spcPct val="20000"/>
-              </a:spcBef>
-              <a:buFont typeface="Arial" pitchFamily="34" charset="0"/>
-              <a:buChar char="–"/>
-              <a:defRPr sz="2667" kern="1200">
-                <a:solidFill>
-                  <a:schemeClr val="tx1"/>
-                </a:solidFill>
-                <a:latin typeface="+mn-lt"/>
-                <a:ea typeface="+mn-ea"/>
-                <a:cs typeface="+mn-cs"/>
-              </a:defRPr>
-            </a:lvl4pPr>
-            <a:lvl5pPr marL="2743131" indent="-304792" algn="l" defTabSz="1219170" rtl="0" eaLnBrk="1" latinLnBrk="0" hangingPunct="1">
-              <a:spcBef>
-                <a:spcPct val="20000"/>
-              </a:spcBef>
-              <a:buFont typeface="Arial" pitchFamily="34" charset="0"/>
-              <a:buChar char="»"/>
-              <a:defRPr sz="2667" kern="1200">
-                <a:solidFill>
-                  <a:schemeClr val="tx1"/>
-                </a:solidFill>
-                <a:latin typeface="+mn-lt"/>
-                <a:ea typeface="+mn-ea"/>
-                <a:cs typeface="+mn-cs"/>
-              </a:defRPr>
-            </a:lvl5pPr>
-            <a:lvl6pPr marL="3352716" indent="-304792" algn="l" defTabSz="1219170" rtl="0" eaLnBrk="1" latinLnBrk="0" hangingPunct="1">
-              <a:spcBef>
-                <a:spcPct val="20000"/>
-              </a:spcBef>
-              <a:buFont typeface="Arial" pitchFamily="34" charset="0"/>
-              <a:buChar char="•"/>
-              <a:defRPr sz="2667" kern="1200">
-                <a:solidFill>
-                  <a:schemeClr val="tx1"/>
-                </a:solidFill>
-                <a:latin typeface="+mn-lt"/>
-                <a:ea typeface="+mn-ea"/>
-                <a:cs typeface="+mn-cs"/>
-              </a:defRPr>
-            </a:lvl6pPr>
-            <a:lvl7pPr marL="3962301" indent="-304792" algn="l" defTabSz="1219170" rtl="0" eaLnBrk="1" latinLnBrk="0" hangingPunct="1">
-              <a:spcBef>
-                <a:spcPct val="20000"/>
-              </a:spcBef>
-              <a:buFont typeface="Arial" pitchFamily="34" charset="0"/>
-              <a:buChar char="•"/>
-              <a:defRPr sz="2667" kern="1200">
-                <a:solidFill>
-                  <a:schemeClr val="tx1"/>
-                </a:solidFill>
-                <a:latin typeface="+mn-lt"/>
-                <a:ea typeface="+mn-ea"/>
-                <a:cs typeface="+mn-cs"/>
-              </a:defRPr>
-            </a:lvl7pPr>
-            <a:lvl8pPr marL="4571886" indent="-304792" algn="l" defTabSz="1219170" rtl="0" eaLnBrk="1" latinLnBrk="0" hangingPunct="1">
-              <a:spcBef>
-                <a:spcPct val="20000"/>
-              </a:spcBef>
-              <a:buFont typeface="Arial" pitchFamily="34" charset="0"/>
-              <a:buChar char="•"/>
-              <a:defRPr sz="2667" kern="1200">
-                <a:solidFill>
-                  <a:schemeClr val="tx1"/>
-                </a:solidFill>
-                <a:latin typeface="+mn-lt"/>
-                <a:ea typeface="+mn-ea"/>
-                <a:cs typeface="+mn-cs"/>
-              </a:defRPr>
-            </a:lvl8pPr>
-            <a:lvl9pPr marL="5181470" indent="-304792" algn="l" defTabSz="1219170" rtl="0" eaLnBrk="1" latinLnBrk="0" hangingPunct="1">
-              <a:spcBef>
-                <a:spcPct val="20000"/>
-              </a:spcBef>
-              <a:buFont typeface="Arial" pitchFamily="34" charset="0"/>
-              <a:buChar char="•"/>
-              <a:defRPr sz="2667" kern="1200">
-                <a:solidFill>
-                  <a:schemeClr val="tx1"/>
-                </a:solidFill>
-                <a:latin typeface="+mn-lt"/>
-                <a:ea typeface="+mn-ea"/>
-                <a:cs typeface="+mn-cs"/>
-              </a:defRPr>
-            </a:lvl9pPr>
-          </a:lstStyle>
-          <a:p>
-            <a:pPr algn="ctr">
-              <a:buNone/>
-            </a:pPr>
-            <a:r>
-              <a:rPr lang="fr-FR" sz="4000" b="1" dirty="0" err="1">
-                <a:solidFill>
-                  <a:srgbClr val="000066"/>
-                </a:solidFill>
-                <a:latin typeface="Calibri" panose="020F0502020204030204" pitchFamily="34" charset="0"/>
-                <a:ea typeface="微軟正黑體" pitchFamily="34" charset="-120"/>
-                <a:cs typeface="Calibri" panose="020F0502020204030204" pitchFamily="34" charset="0"/>
-              </a:rPr>
-              <a:t>Chúa</a:t>
-            </a:r>
-            <a:r>
-              <a:rPr lang="fr-FR" sz="4000" b="1" dirty="0">
-                <a:solidFill>
-                  <a:srgbClr val="000066"/>
-                </a:solidFill>
-                <a:latin typeface="Calibri" panose="020F0502020204030204" pitchFamily="34" charset="0"/>
-                <a:ea typeface="微軟正黑體" pitchFamily="34" charset="-120"/>
-                <a:cs typeface="Calibri" panose="020F0502020204030204" pitchFamily="34" charset="0"/>
-              </a:rPr>
-              <a:t> </a:t>
-            </a:r>
-            <a:r>
-              <a:rPr lang="fr-FR" sz="4000" b="1" dirty="0" err="1">
-                <a:solidFill>
-                  <a:srgbClr val="000066"/>
-                </a:solidFill>
-                <a:latin typeface="Calibri" panose="020F0502020204030204" pitchFamily="34" charset="0"/>
-                <a:ea typeface="微軟正黑體" pitchFamily="34" charset="-120"/>
-                <a:cs typeface="Calibri" panose="020F0502020204030204" pitchFamily="34" charset="0"/>
-              </a:rPr>
-              <a:t>sanh</a:t>
-            </a:r>
-            <a:r>
-              <a:rPr lang="fr-FR" sz="4000" b="1" dirty="0">
-                <a:solidFill>
-                  <a:srgbClr val="000066"/>
-                </a:solidFill>
-                <a:latin typeface="Calibri" panose="020F0502020204030204" pitchFamily="34" charset="0"/>
-                <a:ea typeface="微軟正黑體" pitchFamily="34" charset="-120"/>
-                <a:cs typeface="Calibri" panose="020F0502020204030204" pitchFamily="34" charset="0"/>
-              </a:rPr>
-              <a:t> </a:t>
-            </a:r>
-            <a:r>
-              <a:rPr lang="fr-FR" sz="4000" b="1" dirty="0" err="1">
-                <a:solidFill>
-                  <a:srgbClr val="000066"/>
-                </a:solidFill>
-                <a:latin typeface="Calibri" panose="020F0502020204030204" pitchFamily="34" charset="0"/>
-                <a:ea typeface="微軟正黑體" pitchFamily="34" charset="-120"/>
-                <a:cs typeface="Calibri" panose="020F0502020204030204" pitchFamily="34" charset="0"/>
-              </a:rPr>
-              <a:t>giờ</a:t>
-            </a:r>
-            <a:r>
-              <a:rPr lang="fr-FR" sz="4000" b="1" dirty="0">
-                <a:solidFill>
-                  <a:srgbClr val="000066"/>
-                </a:solidFill>
-                <a:latin typeface="Calibri" panose="020F0502020204030204" pitchFamily="34" charset="0"/>
-                <a:ea typeface="微軟正黑體" pitchFamily="34" charset="-120"/>
-                <a:cs typeface="Calibri" panose="020F0502020204030204" pitchFamily="34" charset="0"/>
-              </a:rPr>
-              <a:t> </a:t>
-            </a:r>
-            <a:r>
-              <a:rPr lang="fr-FR" sz="4000" b="1" dirty="0" err="1">
-                <a:solidFill>
-                  <a:srgbClr val="000066"/>
-                </a:solidFill>
-                <a:latin typeface="Calibri" panose="020F0502020204030204" pitchFamily="34" charset="0"/>
-                <a:ea typeface="微軟正黑體" pitchFamily="34" charset="-120"/>
-                <a:cs typeface="Calibri" panose="020F0502020204030204" pitchFamily="34" charset="0"/>
-              </a:rPr>
-              <a:t>đây</a:t>
-            </a:r>
-            <a:r>
-              <a:rPr lang="fr-FR" sz="4000" b="1" dirty="0">
-                <a:solidFill>
-                  <a:srgbClr val="000066"/>
-                </a:solidFill>
-                <a:latin typeface="Calibri" panose="020F0502020204030204" pitchFamily="34" charset="0"/>
-                <a:ea typeface="微軟正黑體" pitchFamily="34" charset="-120"/>
-                <a:cs typeface="Calibri" panose="020F0502020204030204" pitchFamily="34" charset="0"/>
-              </a:rPr>
-              <a:t>, </a:t>
-            </a:r>
-            <a:r>
-              <a:rPr lang="fr-FR" sz="4000" b="1" dirty="0" err="1">
-                <a:solidFill>
-                  <a:srgbClr val="000066"/>
-                </a:solidFill>
-                <a:latin typeface="Calibri" panose="020F0502020204030204" pitchFamily="34" charset="0"/>
-                <a:ea typeface="微軟正黑體" pitchFamily="34" charset="-120"/>
-                <a:cs typeface="Calibri" panose="020F0502020204030204" pitchFamily="34" charset="0"/>
-              </a:rPr>
-              <a:t>Ðêm</a:t>
-            </a:r>
-            <a:r>
-              <a:rPr lang="fr-FR" sz="4000" b="1" dirty="0">
-                <a:solidFill>
-                  <a:srgbClr val="000066"/>
-                </a:solidFill>
-                <a:latin typeface="Calibri" panose="020F0502020204030204" pitchFamily="34" charset="0"/>
-                <a:ea typeface="微軟正黑體" pitchFamily="34" charset="-120"/>
-                <a:cs typeface="Calibri" panose="020F0502020204030204" pitchFamily="34" charset="0"/>
-              </a:rPr>
-              <a:t> </a:t>
-            </a:r>
-            <a:r>
-              <a:rPr lang="fr-FR" sz="4000" b="1" dirty="0" err="1">
-                <a:solidFill>
-                  <a:srgbClr val="000066"/>
-                </a:solidFill>
-                <a:latin typeface="Calibri" panose="020F0502020204030204" pitchFamily="34" charset="0"/>
-                <a:ea typeface="微軟正黑體" pitchFamily="34" charset="-120"/>
-                <a:cs typeface="Calibri" panose="020F0502020204030204" pitchFamily="34" charset="0"/>
-              </a:rPr>
-              <a:t>thánh</a:t>
-            </a:r>
-            <a:r>
-              <a:rPr lang="fr-FR" sz="4000" b="1" dirty="0">
-                <a:solidFill>
-                  <a:srgbClr val="000066"/>
-                </a:solidFill>
-                <a:latin typeface="Calibri" panose="020F0502020204030204" pitchFamily="34" charset="0"/>
-                <a:ea typeface="微軟正黑體" pitchFamily="34" charset="-120"/>
-                <a:cs typeface="Calibri" panose="020F0502020204030204" pitchFamily="34" charset="0"/>
-              </a:rPr>
-              <a:t> </a:t>
-            </a:r>
-            <a:r>
-              <a:rPr lang="fr-FR" sz="4000" b="1" dirty="0" err="1">
-                <a:solidFill>
-                  <a:srgbClr val="000066"/>
-                </a:solidFill>
-                <a:latin typeface="Calibri" panose="020F0502020204030204" pitchFamily="34" charset="0"/>
-                <a:ea typeface="微軟正黑體" pitchFamily="34" charset="-120"/>
-                <a:cs typeface="Calibri" panose="020F0502020204030204" pitchFamily="34" charset="0"/>
-              </a:rPr>
-              <a:t>vinh</a:t>
-            </a:r>
-            <a:r>
-              <a:rPr lang="fr-FR" sz="4000" b="1" dirty="0">
-                <a:solidFill>
-                  <a:srgbClr val="000066"/>
-                </a:solidFill>
-                <a:latin typeface="Calibri" panose="020F0502020204030204" pitchFamily="34" charset="0"/>
-                <a:ea typeface="微軟正黑體" pitchFamily="34" charset="-120"/>
-                <a:cs typeface="Calibri" panose="020F0502020204030204" pitchFamily="34" charset="0"/>
-              </a:rPr>
-              <a:t> </a:t>
-            </a:r>
-            <a:r>
-              <a:rPr lang="fr-FR" sz="4000" b="1" dirty="0" err="1">
-                <a:solidFill>
-                  <a:srgbClr val="000066"/>
-                </a:solidFill>
-                <a:latin typeface="Calibri" panose="020F0502020204030204" pitchFamily="34" charset="0"/>
-                <a:ea typeface="微軟正黑體" pitchFamily="34" charset="-120"/>
-                <a:cs typeface="Calibri" panose="020F0502020204030204" pitchFamily="34" charset="0"/>
-              </a:rPr>
-              <a:t>quang</a:t>
-            </a:r>
-            <a:r>
-              <a:rPr lang="fr-FR" sz="4000" b="1" dirty="0">
-                <a:solidFill>
-                  <a:srgbClr val="000066"/>
-                </a:solidFill>
-                <a:latin typeface="Calibri" panose="020F0502020204030204" pitchFamily="34" charset="0"/>
-                <a:ea typeface="微軟正黑體" pitchFamily="34" charset="-120"/>
-                <a:cs typeface="Calibri" panose="020F0502020204030204" pitchFamily="34" charset="0"/>
-              </a:rPr>
-              <a:t> </a:t>
-            </a:r>
-            <a:r>
-              <a:rPr lang="fr-FR" sz="4000" b="1" dirty="0" err="1">
-                <a:solidFill>
-                  <a:srgbClr val="000066"/>
-                </a:solidFill>
-                <a:latin typeface="Calibri" panose="020F0502020204030204" pitchFamily="34" charset="0"/>
-                <a:ea typeface="微軟正黑體" pitchFamily="34" charset="-120"/>
-                <a:cs typeface="Calibri" panose="020F0502020204030204" pitchFamily="34" charset="0"/>
-              </a:rPr>
-              <a:t>vui</a:t>
-            </a:r>
-            <a:r>
-              <a:rPr lang="fr-FR" sz="4000" b="1" dirty="0">
-                <a:solidFill>
-                  <a:srgbClr val="000066"/>
-                </a:solidFill>
-                <a:latin typeface="Calibri" panose="020F0502020204030204" pitchFamily="34" charset="0"/>
-                <a:ea typeface="微軟正黑體" pitchFamily="34" charset="-120"/>
-                <a:cs typeface="Calibri" panose="020F0502020204030204" pitchFamily="34" charset="0"/>
-              </a:rPr>
-              <a:t> </a:t>
-            </a:r>
-            <a:r>
-              <a:rPr lang="fr-FR" sz="4000" b="1" dirty="0" err="1">
-                <a:solidFill>
-                  <a:srgbClr val="000066"/>
-                </a:solidFill>
-                <a:latin typeface="Calibri" panose="020F0502020204030204" pitchFamily="34" charset="0"/>
-                <a:ea typeface="微軟正黑體" pitchFamily="34" charset="-120"/>
-                <a:cs typeface="Calibri" panose="020F0502020204030204" pitchFamily="34" charset="0"/>
-              </a:rPr>
-              <a:t>vẻ</a:t>
-            </a:r>
-            <a:r>
-              <a:rPr lang="fr-FR" sz="4000" b="1" dirty="0">
-                <a:solidFill>
-                  <a:srgbClr val="000066"/>
-                </a:solidFill>
-                <a:latin typeface="Calibri" panose="020F0502020204030204" pitchFamily="34" charset="0"/>
-                <a:ea typeface="微軟正黑體" pitchFamily="34" charset="-120"/>
-                <a:cs typeface="Calibri" panose="020F0502020204030204" pitchFamily="34" charset="0"/>
-              </a:rPr>
-              <a:t> </a:t>
-            </a:r>
-            <a:r>
-              <a:rPr lang="fr-FR" sz="4000" b="1" dirty="0" err="1">
-                <a:solidFill>
-                  <a:srgbClr val="000066"/>
-                </a:solidFill>
-                <a:latin typeface="Calibri" panose="020F0502020204030204" pitchFamily="34" charset="0"/>
-                <a:ea typeface="微軟正黑體" pitchFamily="34" charset="-120"/>
-                <a:cs typeface="Calibri" panose="020F0502020204030204" pitchFamily="34" charset="0"/>
-              </a:rPr>
-              <a:t>bấy</a:t>
-            </a:r>
-            <a:r>
-              <a:rPr lang="fr-FR" sz="4000" b="1" dirty="0">
-                <a:solidFill>
-                  <a:srgbClr val="000066"/>
-                </a:solidFill>
-                <a:latin typeface="Calibri" panose="020F0502020204030204" pitchFamily="34" charset="0"/>
-                <a:ea typeface="微軟正黑體" pitchFamily="34" charset="-120"/>
-                <a:cs typeface="Calibri" panose="020F0502020204030204" pitchFamily="34" charset="0"/>
-              </a:rPr>
-              <a:t>!</a:t>
-            </a:r>
-            <a:endParaRPr lang="en-US" altLang="zh-TW" sz="4000" b="1" dirty="0">
-              <a:solidFill>
-                <a:srgbClr val="000066"/>
-              </a:solidFill>
-              <a:latin typeface="Calibri" panose="020F0502020204030204" pitchFamily="34" charset="0"/>
-              <a:ea typeface="微軟正黑體" pitchFamily="34" charset="-120"/>
-              <a:cs typeface="Calibri" panose="020F0502020204030204" pitchFamily="34" charset="0"/>
-            </a:endParaRPr>
-          </a:p>
-        </p:txBody>
-      </p:sp>
-    </p:spTree>
-    <p:extLst>
-      <p:ext uri="{BB962C8B-B14F-4D97-AF65-F5344CB8AC3E}">
-        <p14:creationId xmlns:p14="http://schemas.microsoft.com/office/powerpoint/2010/main" val="4010886692"/>
-      </p:ext>
-    </p:extLst>
-  </p:cSld>
-  <p:clrMapOvr>
-    <a:masterClrMapping/>
-  </p:clrMapOvr>
-  <p:timing>
-    <p:tnLst>
-      <p:par>
-        <p:cTn id="1" dur="indefinite" restart="never" nodeType="tmRoot"/>
-      </p:par>
-    </p:tnLst>
-  </p:timing>
-</p:sld>
-</file>
-
-<file path=ppt/slides/slide32.xml><?xml version="1.0" encoding="utf-8"?>
-<p:sld xmlns:a="http://schemas.openxmlformats.org/drawingml/2006/main" xmlns:r="http://schemas.openxmlformats.org/officeDocument/2006/relationships" xmlns:p="http://schemas.openxmlformats.org/presentationml/2006/main">
-  <p:cSld>
-    <p:spTree>
-      <p:nvGrpSpPr>
-        <p:cNvPr id="1" name=""/>
-        <p:cNvGrpSpPr/>
-        <p:nvPr/>
-      </p:nvGrpSpPr>
-      <p:grpSpPr>
-        <a:xfrm>
-          <a:off x="0" y="0"/>
-          <a:ext cx="0" cy="0"/>
-          <a:chOff x="0" y="0"/>
-          <a:chExt cx="0" cy="0"/>
-        </a:xfrm>
-      </p:grpSpPr>
-      <p:sp>
-        <p:nvSpPr>
-          <p:cNvPr id="5" name="內容版面配置區 4"/>
-          <p:cNvSpPr>
-            <a:spLocks noGrp="1"/>
-          </p:cNvSpPr>
-          <p:nvPr>
-            <p:ph idx="1"/>
-          </p:nvPr>
-        </p:nvSpPr>
-        <p:spPr>
-          <a:xfrm>
-            <a:off x="0" y="2167979"/>
-            <a:ext cx="12192000" cy="1318225"/>
-          </a:xfrm>
-        </p:spPr>
-        <p:txBody>
-          <a:bodyPr anchor="ctr">
-            <a:normAutofit/>
-          </a:bodyPr>
-          <a:lstStyle/>
-          <a:p>
-            <a:pPr marL="0" indent="0" algn="ctr">
-              <a:buNone/>
-              <a:defRPr/>
-            </a:pPr>
-            <a:r>
-              <a:rPr lang="zh-TW" altLang="en-US" sz="6400" b="1" dirty="0" smtClean="0">
-                <a:solidFill>
-                  <a:srgbClr val="660033"/>
-                </a:solidFill>
-                <a:latin typeface="微軟正黑體" pitchFamily="34" charset="-120"/>
-                <a:ea typeface="微軟正黑體" pitchFamily="34" charset="-120"/>
-              </a:rPr>
-              <a:t>喔  尊貴  榮耀  能</a:t>
-            </a:r>
-            <a:r>
-              <a:rPr lang="zh-TW" altLang="en-US" sz="6400" b="1" dirty="0">
-                <a:solidFill>
-                  <a:srgbClr val="660033"/>
-                </a:solidFill>
-                <a:latin typeface="微軟正黑體" pitchFamily="34" charset="-120"/>
-                <a:ea typeface="微軟正黑體" pitchFamily="34" charset="-120"/>
-              </a:rPr>
-              <a:t>力永遠歸祂</a:t>
-            </a:r>
-            <a:endParaRPr lang="en-US" altLang="zh-CN" sz="6400" b="1" dirty="0">
-              <a:solidFill>
-                <a:srgbClr val="660033"/>
-              </a:solidFill>
-              <a:latin typeface="微軟正黑體" pitchFamily="34" charset="-120"/>
-              <a:ea typeface="微軟正黑體" pitchFamily="34" charset="-120"/>
-            </a:endParaRPr>
-          </a:p>
-        </p:txBody>
-      </p:sp>
-      <p:sp>
-        <p:nvSpPr>
-          <p:cNvPr id="3" name="內容版面配置區 4"/>
-          <p:cNvSpPr txBox="1">
-            <a:spLocks/>
-          </p:cNvSpPr>
-          <p:nvPr/>
-        </p:nvSpPr>
-        <p:spPr>
-          <a:xfrm>
-            <a:off x="0" y="3117529"/>
-            <a:ext cx="12192000" cy="1318225"/>
-          </a:xfrm>
-          <a:prstGeom prst="rect">
-            <a:avLst/>
-          </a:prstGeom>
-        </p:spPr>
-        <p:txBody>
-          <a:bodyPr vert="horz" lIns="91440" tIns="45720" rIns="91440" bIns="45720" rtlCol="0" anchor="ctr">
-            <a:normAutofit/>
-          </a:bodyPr>
-          <a:lstStyle>
-            <a:lvl1pPr marL="457189" indent="-457189" algn="l" defTabSz="1219170" rtl="0" eaLnBrk="1" latinLnBrk="0" hangingPunct="1">
-              <a:spcBef>
-                <a:spcPct val="20000"/>
-              </a:spcBef>
-              <a:buFont typeface="Arial" pitchFamily="34" charset="0"/>
-              <a:buChar char="•"/>
-              <a:defRPr sz="4267" kern="1200">
-                <a:solidFill>
-                  <a:schemeClr val="tx1"/>
-                </a:solidFill>
-                <a:latin typeface="+mn-lt"/>
-                <a:ea typeface="+mn-ea"/>
-                <a:cs typeface="+mn-cs"/>
-              </a:defRPr>
-            </a:lvl1pPr>
-            <a:lvl2pPr marL="990575" indent="-380990" algn="l" defTabSz="1219170" rtl="0" eaLnBrk="1" latinLnBrk="0" hangingPunct="1">
-              <a:spcBef>
-                <a:spcPct val="20000"/>
-              </a:spcBef>
-              <a:buFont typeface="Arial" pitchFamily="34" charset="0"/>
-              <a:buChar char="–"/>
-              <a:defRPr sz="3733" kern="1200">
-                <a:solidFill>
-                  <a:schemeClr val="tx1"/>
-                </a:solidFill>
-                <a:latin typeface="+mn-lt"/>
-                <a:ea typeface="+mn-ea"/>
-                <a:cs typeface="+mn-cs"/>
-              </a:defRPr>
-            </a:lvl2pPr>
-            <a:lvl3pPr marL="1523962" indent="-304792" algn="l" defTabSz="1219170" rtl="0" eaLnBrk="1" latinLnBrk="0" hangingPunct="1">
-              <a:spcBef>
-                <a:spcPct val="20000"/>
-              </a:spcBef>
-              <a:buFont typeface="Arial" pitchFamily="34" charset="0"/>
-              <a:buChar char="•"/>
-              <a:defRPr sz="3200" kern="1200">
-                <a:solidFill>
-                  <a:schemeClr val="tx1"/>
-                </a:solidFill>
-                <a:latin typeface="+mn-lt"/>
-                <a:ea typeface="+mn-ea"/>
-                <a:cs typeface="+mn-cs"/>
-              </a:defRPr>
-            </a:lvl3pPr>
-            <a:lvl4pPr marL="2133547" indent="-304792" algn="l" defTabSz="1219170" rtl="0" eaLnBrk="1" latinLnBrk="0" hangingPunct="1">
-              <a:spcBef>
-                <a:spcPct val="20000"/>
-              </a:spcBef>
-              <a:buFont typeface="Arial" pitchFamily="34" charset="0"/>
-              <a:buChar char="–"/>
-              <a:defRPr sz="2667" kern="1200">
-                <a:solidFill>
-                  <a:schemeClr val="tx1"/>
-                </a:solidFill>
-                <a:latin typeface="+mn-lt"/>
-                <a:ea typeface="+mn-ea"/>
-                <a:cs typeface="+mn-cs"/>
-              </a:defRPr>
-            </a:lvl4pPr>
-            <a:lvl5pPr marL="2743131" indent="-304792" algn="l" defTabSz="1219170" rtl="0" eaLnBrk="1" latinLnBrk="0" hangingPunct="1">
-              <a:spcBef>
-                <a:spcPct val="20000"/>
-              </a:spcBef>
-              <a:buFont typeface="Arial" pitchFamily="34" charset="0"/>
-              <a:buChar char="»"/>
-              <a:defRPr sz="2667" kern="1200">
-                <a:solidFill>
-                  <a:schemeClr val="tx1"/>
-                </a:solidFill>
-                <a:latin typeface="+mn-lt"/>
-                <a:ea typeface="+mn-ea"/>
-                <a:cs typeface="+mn-cs"/>
-              </a:defRPr>
-            </a:lvl5pPr>
-            <a:lvl6pPr marL="3352716" indent="-304792" algn="l" defTabSz="1219170" rtl="0" eaLnBrk="1" latinLnBrk="0" hangingPunct="1">
-              <a:spcBef>
-                <a:spcPct val="20000"/>
-              </a:spcBef>
-              <a:buFont typeface="Arial" pitchFamily="34" charset="0"/>
-              <a:buChar char="•"/>
-              <a:defRPr sz="2667" kern="1200">
-                <a:solidFill>
-                  <a:schemeClr val="tx1"/>
-                </a:solidFill>
-                <a:latin typeface="+mn-lt"/>
-                <a:ea typeface="+mn-ea"/>
-                <a:cs typeface="+mn-cs"/>
-              </a:defRPr>
-            </a:lvl6pPr>
-            <a:lvl7pPr marL="3962301" indent="-304792" algn="l" defTabSz="1219170" rtl="0" eaLnBrk="1" latinLnBrk="0" hangingPunct="1">
-              <a:spcBef>
-                <a:spcPct val="20000"/>
-              </a:spcBef>
-              <a:buFont typeface="Arial" pitchFamily="34" charset="0"/>
-              <a:buChar char="•"/>
-              <a:defRPr sz="2667" kern="1200">
-                <a:solidFill>
-                  <a:schemeClr val="tx1"/>
-                </a:solidFill>
-                <a:latin typeface="+mn-lt"/>
-                <a:ea typeface="+mn-ea"/>
-                <a:cs typeface="+mn-cs"/>
-              </a:defRPr>
-            </a:lvl7pPr>
-            <a:lvl8pPr marL="4571886" indent="-304792" algn="l" defTabSz="1219170" rtl="0" eaLnBrk="1" latinLnBrk="0" hangingPunct="1">
-              <a:spcBef>
-                <a:spcPct val="20000"/>
-              </a:spcBef>
-              <a:buFont typeface="Arial" pitchFamily="34" charset="0"/>
-              <a:buChar char="•"/>
-              <a:defRPr sz="2667" kern="1200">
-                <a:solidFill>
-                  <a:schemeClr val="tx1"/>
-                </a:solidFill>
-                <a:latin typeface="+mn-lt"/>
-                <a:ea typeface="+mn-ea"/>
-                <a:cs typeface="+mn-cs"/>
-              </a:defRPr>
-            </a:lvl8pPr>
-            <a:lvl9pPr marL="5181470" indent="-304792" algn="l" defTabSz="1219170" rtl="0" eaLnBrk="1" latinLnBrk="0" hangingPunct="1">
-              <a:spcBef>
-                <a:spcPct val="20000"/>
-              </a:spcBef>
-              <a:buFont typeface="Arial" pitchFamily="34" charset="0"/>
-              <a:buChar char="•"/>
-              <a:defRPr sz="2667" kern="1200">
-                <a:solidFill>
-                  <a:schemeClr val="tx1"/>
-                </a:solidFill>
-                <a:latin typeface="+mn-lt"/>
-                <a:ea typeface="+mn-ea"/>
-                <a:cs typeface="+mn-cs"/>
-              </a:defRPr>
-            </a:lvl9pPr>
-          </a:lstStyle>
-          <a:p>
-            <a:pPr algn="ctr">
-              <a:buNone/>
-            </a:pPr>
-            <a:r>
-              <a:rPr lang="fr-FR" sz="3600" b="1" dirty="0" err="1">
-                <a:solidFill>
-                  <a:srgbClr val="000066"/>
-                </a:solidFill>
-                <a:latin typeface="Calibri" panose="020F0502020204030204" pitchFamily="34" charset="0"/>
-                <a:ea typeface="微軟正黑體" pitchFamily="34" charset="-120"/>
-                <a:cs typeface="Calibri" panose="020F0502020204030204" pitchFamily="34" charset="0"/>
-              </a:rPr>
-              <a:t>Nguyện</a:t>
-            </a:r>
-            <a:r>
-              <a:rPr lang="fr-FR" sz="3600" b="1" dirty="0">
-                <a:solidFill>
-                  <a:srgbClr val="000066"/>
-                </a:solidFill>
-                <a:latin typeface="Calibri" panose="020F0502020204030204" pitchFamily="34" charset="0"/>
-                <a:ea typeface="微軟正黑體" pitchFamily="34" charset="-120"/>
-                <a:cs typeface="Calibri" panose="020F0502020204030204" pitchFamily="34" charset="0"/>
-              </a:rPr>
-              <a:t> </a:t>
-            </a:r>
-            <a:r>
-              <a:rPr lang="fr-FR" sz="3600" b="1" dirty="0" err="1">
-                <a:solidFill>
-                  <a:srgbClr val="000066"/>
-                </a:solidFill>
-                <a:latin typeface="Calibri" panose="020F0502020204030204" pitchFamily="34" charset="0"/>
-                <a:ea typeface="微軟正黑體" pitchFamily="34" charset="-120"/>
-                <a:cs typeface="Calibri" panose="020F0502020204030204" pitchFamily="34" charset="0"/>
-              </a:rPr>
-              <a:t>sự</a:t>
-            </a:r>
-            <a:r>
-              <a:rPr lang="fr-FR" sz="3600" b="1" dirty="0">
-                <a:solidFill>
-                  <a:srgbClr val="000066"/>
-                </a:solidFill>
-                <a:latin typeface="Calibri" panose="020F0502020204030204" pitchFamily="34" charset="0"/>
-                <a:ea typeface="微軟正黑體" pitchFamily="34" charset="-120"/>
-                <a:cs typeface="Calibri" panose="020F0502020204030204" pitchFamily="34" charset="0"/>
-              </a:rPr>
-              <a:t> </a:t>
-            </a:r>
-            <a:r>
-              <a:rPr lang="fr-FR" sz="3600" b="1" dirty="0" err="1">
-                <a:solidFill>
-                  <a:srgbClr val="000066"/>
-                </a:solidFill>
-                <a:latin typeface="Calibri" panose="020F0502020204030204" pitchFamily="34" charset="0"/>
-                <a:ea typeface="微軟正黑體" pitchFamily="34" charset="-120"/>
-                <a:cs typeface="Calibri" panose="020F0502020204030204" pitchFamily="34" charset="0"/>
-              </a:rPr>
-              <a:t>tôn</a:t>
-            </a:r>
-            <a:r>
-              <a:rPr lang="fr-FR" sz="3600" b="1" dirty="0">
-                <a:solidFill>
-                  <a:srgbClr val="000066"/>
-                </a:solidFill>
-                <a:latin typeface="Calibri" panose="020F0502020204030204" pitchFamily="34" charset="0"/>
-                <a:ea typeface="微軟正黑體" pitchFamily="34" charset="-120"/>
-                <a:cs typeface="Calibri" panose="020F0502020204030204" pitchFamily="34" charset="0"/>
-              </a:rPr>
-              <a:t> </a:t>
-            </a:r>
-            <a:r>
-              <a:rPr lang="fr-FR" sz="3600" b="1" dirty="0" err="1">
-                <a:solidFill>
-                  <a:srgbClr val="000066"/>
-                </a:solidFill>
-                <a:latin typeface="Calibri" panose="020F0502020204030204" pitchFamily="34" charset="0"/>
-                <a:ea typeface="微軟正黑體" pitchFamily="34" charset="-120"/>
-                <a:cs typeface="Calibri" panose="020F0502020204030204" pitchFamily="34" charset="0"/>
-              </a:rPr>
-              <a:t>quý</a:t>
-            </a:r>
-            <a:r>
-              <a:rPr lang="fr-FR" sz="3600" b="1" dirty="0">
-                <a:solidFill>
-                  <a:srgbClr val="000066"/>
-                </a:solidFill>
-                <a:latin typeface="Calibri" panose="020F0502020204030204" pitchFamily="34" charset="0"/>
-                <a:ea typeface="微軟正黑體" pitchFamily="34" charset="-120"/>
-                <a:cs typeface="Calibri" panose="020F0502020204030204" pitchFamily="34" charset="0"/>
-              </a:rPr>
-              <a:t>, </a:t>
-            </a:r>
-            <a:r>
-              <a:rPr lang="fr-FR" sz="3600" b="1" dirty="0" err="1">
-                <a:solidFill>
-                  <a:srgbClr val="000066"/>
-                </a:solidFill>
-                <a:latin typeface="Calibri" panose="020F0502020204030204" pitchFamily="34" charset="0"/>
-                <a:ea typeface="微軟正黑體" pitchFamily="34" charset="-120"/>
-                <a:cs typeface="Calibri" panose="020F0502020204030204" pitchFamily="34" charset="0"/>
-              </a:rPr>
-              <a:t>vinh</a:t>
-            </a:r>
-            <a:r>
-              <a:rPr lang="fr-FR" sz="3600" b="1" dirty="0">
-                <a:solidFill>
-                  <a:srgbClr val="000066"/>
-                </a:solidFill>
-                <a:latin typeface="Calibri" panose="020F0502020204030204" pitchFamily="34" charset="0"/>
-                <a:ea typeface="微軟正黑體" pitchFamily="34" charset="-120"/>
-                <a:cs typeface="Calibri" panose="020F0502020204030204" pitchFamily="34" charset="0"/>
-              </a:rPr>
-              <a:t> </a:t>
-            </a:r>
-            <a:r>
-              <a:rPr lang="fr-FR" sz="3600" b="1" dirty="0" err="1">
-                <a:solidFill>
-                  <a:srgbClr val="000066"/>
-                </a:solidFill>
-                <a:latin typeface="Calibri" panose="020F0502020204030204" pitchFamily="34" charset="0"/>
-                <a:ea typeface="微軟正黑體" pitchFamily="34" charset="-120"/>
-                <a:cs typeface="Calibri" panose="020F0502020204030204" pitchFamily="34" charset="0"/>
-              </a:rPr>
-              <a:t>hiển</a:t>
-            </a:r>
-            <a:r>
-              <a:rPr lang="fr-FR" sz="3600" b="1" dirty="0">
-                <a:solidFill>
-                  <a:srgbClr val="000066"/>
-                </a:solidFill>
-                <a:latin typeface="Calibri" panose="020F0502020204030204" pitchFamily="34" charset="0"/>
-                <a:ea typeface="微軟正黑體" pitchFamily="34" charset="-120"/>
-                <a:cs typeface="Calibri" panose="020F0502020204030204" pitchFamily="34" charset="0"/>
-              </a:rPr>
-              <a:t>, </a:t>
-            </a:r>
-            <a:r>
-              <a:rPr lang="fr-FR" sz="3600" b="1" dirty="0" err="1">
-                <a:solidFill>
-                  <a:srgbClr val="000066"/>
-                </a:solidFill>
-                <a:latin typeface="Calibri" panose="020F0502020204030204" pitchFamily="34" charset="0"/>
-                <a:ea typeface="微軟正黑體" pitchFamily="34" charset="-120"/>
-                <a:cs typeface="Calibri" panose="020F0502020204030204" pitchFamily="34" charset="0"/>
-              </a:rPr>
-              <a:t>quyền</a:t>
-            </a:r>
-            <a:r>
-              <a:rPr lang="fr-FR" sz="3600" b="1" dirty="0">
-                <a:solidFill>
-                  <a:srgbClr val="000066"/>
-                </a:solidFill>
-                <a:latin typeface="Calibri" panose="020F0502020204030204" pitchFamily="34" charset="0"/>
-                <a:ea typeface="微軟正黑體" pitchFamily="34" charset="-120"/>
-                <a:cs typeface="Calibri" panose="020F0502020204030204" pitchFamily="34" charset="0"/>
-              </a:rPr>
-              <a:t> </a:t>
-            </a:r>
-            <a:r>
-              <a:rPr lang="fr-FR" sz="3600" b="1" dirty="0" err="1">
-                <a:solidFill>
-                  <a:srgbClr val="000066"/>
-                </a:solidFill>
-                <a:latin typeface="Calibri" panose="020F0502020204030204" pitchFamily="34" charset="0"/>
-                <a:ea typeface="微軟正黑體" pitchFamily="34" charset="-120"/>
-                <a:cs typeface="Calibri" panose="020F0502020204030204" pitchFamily="34" charset="0"/>
-              </a:rPr>
-              <a:t>phép</a:t>
-            </a:r>
-            <a:r>
-              <a:rPr lang="fr-FR" sz="3600" b="1" dirty="0">
-                <a:solidFill>
-                  <a:srgbClr val="000066"/>
-                </a:solidFill>
-                <a:latin typeface="Calibri" panose="020F0502020204030204" pitchFamily="34" charset="0"/>
-                <a:ea typeface="微軟正黑體" pitchFamily="34" charset="-120"/>
-                <a:cs typeface="Calibri" panose="020F0502020204030204" pitchFamily="34" charset="0"/>
-              </a:rPr>
-              <a:t> </a:t>
-            </a:r>
-            <a:r>
-              <a:rPr lang="fr-FR" sz="3600" b="1" dirty="0" err="1">
-                <a:solidFill>
-                  <a:srgbClr val="000066"/>
-                </a:solidFill>
-                <a:latin typeface="Calibri" panose="020F0502020204030204" pitchFamily="34" charset="0"/>
-                <a:ea typeface="微軟正黑體" pitchFamily="34" charset="-120"/>
-                <a:cs typeface="Calibri" panose="020F0502020204030204" pitchFamily="34" charset="0"/>
-              </a:rPr>
-              <a:t>cho</a:t>
-            </a:r>
-            <a:r>
-              <a:rPr lang="fr-FR" sz="3600" b="1" dirty="0">
-                <a:solidFill>
-                  <a:srgbClr val="000066"/>
-                </a:solidFill>
-                <a:latin typeface="Calibri" panose="020F0502020204030204" pitchFamily="34" charset="0"/>
-                <a:ea typeface="微軟正黑體" pitchFamily="34" charset="-120"/>
-                <a:cs typeface="Calibri" panose="020F0502020204030204" pitchFamily="34" charset="0"/>
-              </a:rPr>
-              <a:t> </a:t>
-            </a:r>
-            <a:r>
-              <a:rPr lang="fr-FR" sz="3600" b="1" dirty="0" err="1">
-                <a:solidFill>
-                  <a:srgbClr val="000066"/>
-                </a:solidFill>
-                <a:latin typeface="Calibri" panose="020F0502020204030204" pitchFamily="34" charset="0"/>
-                <a:ea typeface="微軟正黑體" pitchFamily="34" charset="-120"/>
-                <a:cs typeface="Calibri" panose="020F0502020204030204" pitchFamily="34" charset="0"/>
-              </a:rPr>
-              <a:t>đến</a:t>
-            </a:r>
-            <a:r>
-              <a:rPr lang="fr-FR" sz="3600" b="1" dirty="0">
-                <a:solidFill>
-                  <a:srgbClr val="000066"/>
-                </a:solidFill>
-                <a:latin typeface="Calibri" panose="020F0502020204030204" pitchFamily="34" charset="0"/>
-                <a:ea typeface="微軟正黑體" pitchFamily="34" charset="-120"/>
-                <a:cs typeface="Calibri" panose="020F0502020204030204" pitchFamily="34" charset="0"/>
-              </a:rPr>
-              <a:t> </a:t>
-            </a:r>
-            <a:r>
-              <a:rPr lang="fr-FR" sz="3600" b="1" dirty="0" err="1">
-                <a:solidFill>
-                  <a:srgbClr val="000066"/>
-                </a:solidFill>
-                <a:latin typeface="Calibri" panose="020F0502020204030204" pitchFamily="34" charset="0"/>
-                <a:ea typeface="微軟正黑體" pitchFamily="34" charset="-120"/>
-                <a:cs typeface="Calibri" panose="020F0502020204030204" pitchFamily="34" charset="0"/>
-              </a:rPr>
-              <a:t>đời</a:t>
-            </a:r>
-            <a:r>
-              <a:rPr lang="fr-FR" sz="3600" b="1" dirty="0">
-                <a:solidFill>
-                  <a:srgbClr val="000066"/>
-                </a:solidFill>
-                <a:latin typeface="Calibri" panose="020F0502020204030204" pitchFamily="34" charset="0"/>
-                <a:ea typeface="微軟正黑體" pitchFamily="34" charset="-120"/>
-                <a:cs typeface="Calibri" panose="020F0502020204030204" pitchFamily="34" charset="0"/>
-              </a:rPr>
-              <a:t> </a:t>
-            </a:r>
-            <a:r>
-              <a:rPr lang="fr-FR" sz="3600" b="1" dirty="0" err="1">
-                <a:solidFill>
-                  <a:srgbClr val="000066"/>
-                </a:solidFill>
-                <a:latin typeface="Calibri" panose="020F0502020204030204" pitchFamily="34" charset="0"/>
-                <a:ea typeface="微軟正黑體" pitchFamily="34" charset="-120"/>
-                <a:cs typeface="Calibri" panose="020F0502020204030204" pitchFamily="34" charset="0"/>
-              </a:rPr>
-              <a:t>đời</a:t>
-            </a:r>
-            <a:endParaRPr lang="en-US" altLang="zh-TW" sz="3600" b="1" dirty="0">
-              <a:solidFill>
-                <a:srgbClr val="000066"/>
-              </a:solidFill>
-              <a:latin typeface="Calibri" panose="020F0502020204030204" pitchFamily="34" charset="0"/>
-              <a:ea typeface="微軟正黑體" pitchFamily="34" charset="-120"/>
-              <a:cs typeface="Calibri" panose="020F0502020204030204" pitchFamily="34" charset="0"/>
-            </a:endParaRPr>
-          </a:p>
-        </p:txBody>
-      </p:sp>
-    </p:spTree>
-    <p:extLst>
-      <p:ext uri="{BB962C8B-B14F-4D97-AF65-F5344CB8AC3E}">
-        <p14:creationId xmlns:p14="http://schemas.microsoft.com/office/powerpoint/2010/main" val="1276649989"/>
-      </p:ext>
-    </p:extLst>
-  </p:cSld>
-  <p:clrMapOvr>
-    <a:masterClrMapping/>
-  </p:clrMapOvr>
-  <p:timing>
-    <p:tnLst>
-      <p:par>
-        <p:cTn id="1" dur="indefinite" restart="never" nodeType="tmRoot"/>
-      </p:par>
-    </p:tnLst>
-  </p:timing>
-</p:sld>
-</file>
-
-<file path=ppt/slides/slide33.xml><?xml version="1.0" encoding="utf-8"?>
-<p:sld xmlns:a="http://schemas.openxmlformats.org/drawingml/2006/main" xmlns:r="http://schemas.openxmlformats.org/officeDocument/2006/relationships" xmlns:p="http://schemas.openxmlformats.org/presentationml/2006/main">
-  <p:cSld>
-    <p:spTree>
-      <p:nvGrpSpPr>
-        <p:cNvPr id="1" name=""/>
-        <p:cNvGrpSpPr/>
-        <p:nvPr/>
-      </p:nvGrpSpPr>
-      <p:grpSpPr>
-        <a:xfrm>
-          <a:off x="0" y="0"/>
-          <a:ext cx="0" cy="0"/>
-          <a:chOff x="0" y="0"/>
-          <a:chExt cx="0" cy="0"/>
-        </a:xfrm>
-      </p:grpSpPr>
-      <p:sp>
-        <p:nvSpPr>
-          <p:cNvPr id="5" name="內容版面配置區 4"/>
-          <p:cNvSpPr>
-            <a:spLocks noGrp="1"/>
-          </p:cNvSpPr>
-          <p:nvPr>
-            <p:ph idx="1"/>
-          </p:nvPr>
-        </p:nvSpPr>
-        <p:spPr>
-          <a:xfrm>
-            <a:off x="0" y="2167979"/>
-            <a:ext cx="12192000" cy="1318225"/>
-          </a:xfrm>
-        </p:spPr>
-        <p:txBody>
-          <a:bodyPr anchor="ctr">
-            <a:normAutofit/>
-          </a:bodyPr>
-          <a:lstStyle/>
-          <a:p>
-            <a:pPr marL="0" indent="0" algn="ctr">
-              <a:buNone/>
-              <a:defRPr/>
-            </a:pPr>
-            <a:r>
-              <a:rPr lang="zh-TW" altLang="en-US" sz="6400" b="1" dirty="0">
-                <a:solidFill>
-                  <a:srgbClr val="660033"/>
-                </a:solidFill>
-                <a:latin typeface="微軟正黑體" pitchFamily="34" charset="-120"/>
-                <a:ea typeface="微軟正黑體" pitchFamily="34" charset="-120"/>
-              </a:rPr>
-              <a:t>尊</a:t>
-            </a:r>
-            <a:r>
-              <a:rPr lang="zh-TW" altLang="en-US" sz="6400" b="1" dirty="0" smtClean="0">
-                <a:solidFill>
-                  <a:srgbClr val="660033"/>
-                </a:solidFill>
-                <a:latin typeface="微軟正黑體" pitchFamily="34" charset="-120"/>
-                <a:ea typeface="微軟正黑體" pitchFamily="34" charset="-120"/>
-              </a:rPr>
-              <a:t>貴  榮耀  能</a:t>
-            </a:r>
-            <a:r>
-              <a:rPr lang="zh-TW" altLang="en-US" sz="6400" b="1" dirty="0">
-                <a:solidFill>
-                  <a:srgbClr val="660033"/>
-                </a:solidFill>
-                <a:latin typeface="微軟正黑體" pitchFamily="34" charset="-120"/>
-                <a:ea typeface="微軟正黑體" pitchFamily="34" charset="-120"/>
-              </a:rPr>
-              <a:t>力永遠歸祂</a:t>
-            </a:r>
-            <a:endParaRPr lang="en-US" altLang="zh-CN" sz="6400" b="1" dirty="0">
-              <a:solidFill>
-                <a:srgbClr val="660033"/>
-              </a:solidFill>
-              <a:latin typeface="微軟正黑體" pitchFamily="34" charset="-120"/>
-              <a:ea typeface="微軟正黑體" pitchFamily="34" charset="-120"/>
-            </a:endParaRPr>
-          </a:p>
-        </p:txBody>
-      </p:sp>
-      <p:sp>
-        <p:nvSpPr>
-          <p:cNvPr id="3" name="內容版面配置區 4"/>
-          <p:cNvSpPr txBox="1">
-            <a:spLocks/>
-          </p:cNvSpPr>
-          <p:nvPr/>
-        </p:nvSpPr>
-        <p:spPr>
-          <a:xfrm>
-            <a:off x="0" y="3117529"/>
-            <a:ext cx="12192000" cy="1318225"/>
-          </a:xfrm>
-          <a:prstGeom prst="rect">
-            <a:avLst/>
-          </a:prstGeom>
-        </p:spPr>
-        <p:txBody>
-          <a:bodyPr vert="horz" lIns="91440" tIns="45720" rIns="91440" bIns="45720" rtlCol="0" anchor="ctr">
-            <a:normAutofit/>
-          </a:bodyPr>
-          <a:lstStyle>
-            <a:lvl1pPr marL="457189" indent="-457189" algn="l" defTabSz="1219170" rtl="0" eaLnBrk="1" latinLnBrk="0" hangingPunct="1">
-              <a:spcBef>
-                <a:spcPct val="20000"/>
-              </a:spcBef>
-              <a:buFont typeface="Arial" pitchFamily="34" charset="0"/>
-              <a:buChar char="•"/>
-              <a:defRPr sz="4267" kern="1200">
-                <a:solidFill>
-                  <a:schemeClr val="tx1"/>
-                </a:solidFill>
-                <a:latin typeface="+mn-lt"/>
-                <a:ea typeface="+mn-ea"/>
-                <a:cs typeface="+mn-cs"/>
-              </a:defRPr>
-            </a:lvl1pPr>
-            <a:lvl2pPr marL="990575" indent="-380990" algn="l" defTabSz="1219170" rtl="0" eaLnBrk="1" latinLnBrk="0" hangingPunct="1">
-              <a:spcBef>
-                <a:spcPct val="20000"/>
-              </a:spcBef>
-              <a:buFont typeface="Arial" pitchFamily="34" charset="0"/>
-              <a:buChar char="–"/>
-              <a:defRPr sz="3733" kern="1200">
-                <a:solidFill>
-                  <a:schemeClr val="tx1"/>
-                </a:solidFill>
-                <a:latin typeface="+mn-lt"/>
-                <a:ea typeface="+mn-ea"/>
-                <a:cs typeface="+mn-cs"/>
-              </a:defRPr>
-            </a:lvl2pPr>
-            <a:lvl3pPr marL="1523962" indent="-304792" algn="l" defTabSz="1219170" rtl="0" eaLnBrk="1" latinLnBrk="0" hangingPunct="1">
-              <a:spcBef>
-                <a:spcPct val="20000"/>
-              </a:spcBef>
-              <a:buFont typeface="Arial" pitchFamily="34" charset="0"/>
-              <a:buChar char="•"/>
-              <a:defRPr sz="3200" kern="1200">
-                <a:solidFill>
-                  <a:schemeClr val="tx1"/>
-                </a:solidFill>
-                <a:latin typeface="+mn-lt"/>
-                <a:ea typeface="+mn-ea"/>
-                <a:cs typeface="+mn-cs"/>
-              </a:defRPr>
-            </a:lvl3pPr>
-            <a:lvl4pPr marL="2133547" indent="-304792" algn="l" defTabSz="1219170" rtl="0" eaLnBrk="1" latinLnBrk="0" hangingPunct="1">
-              <a:spcBef>
-                <a:spcPct val="20000"/>
-              </a:spcBef>
-              <a:buFont typeface="Arial" pitchFamily="34" charset="0"/>
-              <a:buChar char="–"/>
-              <a:defRPr sz="2667" kern="1200">
-                <a:solidFill>
-                  <a:schemeClr val="tx1"/>
-                </a:solidFill>
-                <a:latin typeface="+mn-lt"/>
-                <a:ea typeface="+mn-ea"/>
-                <a:cs typeface="+mn-cs"/>
-              </a:defRPr>
-            </a:lvl4pPr>
-            <a:lvl5pPr marL="2743131" indent="-304792" algn="l" defTabSz="1219170" rtl="0" eaLnBrk="1" latinLnBrk="0" hangingPunct="1">
-              <a:spcBef>
-                <a:spcPct val="20000"/>
-              </a:spcBef>
-              <a:buFont typeface="Arial" pitchFamily="34" charset="0"/>
-              <a:buChar char="»"/>
-              <a:defRPr sz="2667" kern="1200">
-                <a:solidFill>
-                  <a:schemeClr val="tx1"/>
-                </a:solidFill>
-                <a:latin typeface="+mn-lt"/>
-                <a:ea typeface="+mn-ea"/>
-                <a:cs typeface="+mn-cs"/>
-              </a:defRPr>
-            </a:lvl5pPr>
-            <a:lvl6pPr marL="3352716" indent="-304792" algn="l" defTabSz="1219170" rtl="0" eaLnBrk="1" latinLnBrk="0" hangingPunct="1">
-              <a:spcBef>
-                <a:spcPct val="20000"/>
-              </a:spcBef>
-              <a:buFont typeface="Arial" pitchFamily="34" charset="0"/>
-              <a:buChar char="•"/>
-              <a:defRPr sz="2667" kern="1200">
-                <a:solidFill>
-                  <a:schemeClr val="tx1"/>
-                </a:solidFill>
-                <a:latin typeface="+mn-lt"/>
-                <a:ea typeface="+mn-ea"/>
-                <a:cs typeface="+mn-cs"/>
-              </a:defRPr>
-            </a:lvl6pPr>
-            <a:lvl7pPr marL="3962301" indent="-304792" algn="l" defTabSz="1219170" rtl="0" eaLnBrk="1" latinLnBrk="0" hangingPunct="1">
-              <a:spcBef>
-                <a:spcPct val="20000"/>
-              </a:spcBef>
-              <a:buFont typeface="Arial" pitchFamily="34" charset="0"/>
-              <a:buChar char="•"/>
-              <a:defRPr sz="2667" kern="1200">
-                <a:solidFill>
-                  <a:schemeClr val="tx1"/>
-                </a:solidFill>
-                <a:latin typeface="+mn-lt"/>
-                <a:ea typeface="+mn-ea"/>
-                <a:cs typeface="+mn-cs"/>
-              </a:defRPr>
-            </a:lvl7pPr>
-            <a:lvl8pPr marL="4571886" indent="-304792" algn="l" defTabSz="1219170" rtl="0" eaLnBrk="1" latinLnBrk="0" hangingPunct="1">
-              <a:spcBef>
-                <a:spcPct val="20000"/>
-              </a:spcBef>
-              <a:buFont typeface="Arial" pitchFamily="34" charset="0"/>
-              <a:buChar char="•"/>
-              <a:defRPr sz="2667" kern="1200">
-                <a:solidFill>
-                  <a:schemeClr val="tx1"/>
-                </a:solidFill>
-                <a:latin typeface="+mn-lt"/>
-                <a:ea typeface="+mn-ea"/>
-                <a:cs typeface="+mn-cs"/>
-              </a:defRPr>
-            </a:lvl8pPr>
-            <a:lvl9pPr marL="5181470" indent="-304792" algn="l" defTabSz="1219170" rtl="0" eaLnBrk="1" latinLnBrk="0" hangingPunct="1">
-              <a:spcBef>
-                <a:spcPct val="20000"/>
-              </a:spcBef>
-              <a:buFont typeface="Arial" pitchFamily="34" charset="0"/>
-              <a:buChar char="•"/>
-              <a:defRPr sz="2667" kern="1200">
-                <a:solidFill>
-                  <a:schemeClr val="tx1"/>
-                </a:solidFill>
-                <a:latin typeface="+mn-lt"/>
-                <a:ea typeface="+mn-ea"/>
-                <a:cs typeface="+mn-cs"/>
-              </a:defRPr>
-            </a:lvl9pPr>
-          </a:lstStyle>
-          <a:p>
-            <a:pPr algn="ctr">
-              <a:buNone/>
-            </a:pPr>
-            <a:r>
-              <a:rPr lang="fr-FR" sz="3600" b="1" dirty="0" err="1">
-                <a:solidFill>
-                  <a:srgbClr val="000066"/>
-                </a:solidFill>
-                <a:latin typeface="Calibri" panose="020F0502020204030204" pitchFamily="34" charset="0"/>
-                <a:ea typeface="微軟正黑體" pitchFamily="34" charset="-120"/>
-                <a:cs typeface="Calibri" panose="020F0502020204030204" pitchFamily="34" charset="0"/>
-              </a:rPr>
-              <a:t>Nguyện</a:t>
-            </a:r>
-            <a:r>
-              <a:rPr lang="fr-FR" sz="3600" b="1" dirty="0">
-                <a:solidFill>
-                  <a:srgbClr val="000066"/>
-                </a:solidFill>
-                <a:latin typeface="Calibri" panose="020F0502020204030204" pitchFamily="34" charset="0"/>
-                <a:ea typeface="微軟正黑體" pitchFamily="34" charset="-120"/>
-                <a:cs typeface="Calibri" panose="020F0502020204030204" pitchFamily="34" charset="0"/>
-              </a:rPr>
-              <a:t> </a:t>
-            </a:r>
-            <a:r>
-              <a:rPr lang="fr-FR" sz="3600" b="1" dirty="0" err="1">
-                <a:solidFill>
-                  <a:srgbClr val="000066"/>
-                </a:solidFill>
-                <a:latin typeface="Calibri" panose="020F0502020204030204" pitchFamily="34" charset="0"/>
-                <a:ea typeface="微軟正黑體" pitchFamily="34" charset="-120"/>
-                <a:cs typeface="Calibri" panose="020F0502020204030204" pitchFamily="34" charset="0"/>
-              </a:rPr>
-              <a:t>sự</a:t>
-            </a:r>
-            <a:r>
-              <a:rPr lang="fr-FR" sz="3600" b="1" dirty="0">
-                <a:solidFill>
-                  <a:srgbClr val="000066"/>
-                </a:solidFill>
-                <a:latin typeface="Calibri" panose="020F0502020204030204" pitchFamily="34" charset="0"/>
-                <a:ea typeface="微軟正黑體" pitchFamily="34" charset="-120"/>
-                <a:cs typeface="Calibri" panose="020F0502020204030204" pitchFamily="34" charset="0"/>
-              </a:rPr>
-              <a:t> </a:t>
-            </a:r>
-            <a:r>
-              <a:rPr lang="fr-FR" sz="3600" b="1" dirty="0" err="1">
-                <a:solidFill>
-                  <a:srgbClr val="000066"/>
-                </a:solidFill>
-                <a:latin typeface="Calibri" panose="020F0502020204030204" pitchFamily="34" charset="0"/>
-                <a:ea typeface="微軟正黑體" pitchFamily="34" charset="-120"/>
-                <a:cs typeface="Calibri" panose="020F0502020204030204" pitchFamily="34" charset="0"/>
-              </a:rPr>
-              <a:t>tôn</a:t>
-            </a:r>
-            <a:r>
-              <a:rPr lang="fr-FR" sz="3600" b="1" dirty="0">
-                <a:solidFill>
-                  <a:srgbClr val="000066"/>
-                </a:solidFill>
-                <a:latin typeface="Calibri" panose="020F0502020204030204" pitchFamily="34" charset="0"/>
-                <a:ea typeface="微軟正黑體" pitchFamily="34" charset="-120"/>
-                <a:cs typeface="Calibri" panose="020F0502020204030204" pitchFamily="34" charset="0"/>
-              </a:rPr>
-              <a:t> </a:t>
-            </a:r>
-            <a:r>
-              <a:rPr lang="fr-FR" sz="3600" b="1" dirty="0" err="1">
-                <a:solidFill>
-                  <a:srgbClr val="000066"/>
-                </a:solidFill>
-                <a:latin typeface="Calibri" panose="020F0502020204030204" pitchFamily="34" charset="0"/>
-                <a:ea typeface="微軟正黑體" pitchFamily="34" charset="-120"/>
-                <a:cs typeface="Calibri" panose="020F0502020204030204" pitchFamily="34" charset="0"/>
-              </a:rPr>
-              <a:t>quý</a:t>
-            </a:r>
-            <a:r>
-              <a:rPr lang="fr-FR" sz="3600" b="1" dirty="0">
-                <a:solidFill>
-                  <a:srgbClr val="000066"/>
-                </a:solidFill>
-                <a:latin typeface="Calibri" panose="020F0502020204030204" pitchFamily="34" charset="0"/>
-                <a:ea typeface="微軟正黑體" pitchFamily="34" charset="-120"/>
-                <a:cs typeface="Calibri" panose="020F0502020204030204" pitchFamily="34" charset="0"/>
-              </a:rPr>
-              <a:t>, </a:t>
-            </a:r>
-            <a:r>
-              <a:rPr lang="fr-FR" sz="3600" b="1" dirty="0" err="1">
-                <a:solidFill>
-                  <a:srgbClr val="000066"/>
-                </a:solidFill>
-                <a:latin typeface="Calibri" panose="020F0502020204030204" pitchFamily="34" charset="0"/>
-                <a:ea typeface="微軟正黑體" pitchFamily="34" charset="-120"/>
-                <a:cs typeface="Calibri" panose="020F0502020204030204" pitchFamily="34" charset="0"/>
-              </a:rPr>
-              <a:t>vinh</a:t>
-            </a:r>
-            <a:r>
-              <a:rPr lang="fr-FR" sz="3600" b="1" dirty="0">
-                <a:solidFill>
-                  <a:srgbClr val="000066"/>
-                </a:solidFill>
-                <a:latin typeface="Calibri" panose="020F0502020204030204" pitchFamily="34" charset="0"/>
-                <a:ea typeface="微軟正黑體" pitchFamily="34" charset="-120"/>
-                <a:cs typeface="Calibri" panose="020F0502020204030204" pitchFamily="34" charset="0"/>
-              </a:rPr>
-              <a:t> </a:t>
-            </a:r>
-            <a:r>
-              <a:rPr lang="fr-FR" sz="3600" b="1" dirty="0" err="1">
-                <a:solidFill>
-                  <a:srgbClr val="000066"/>
-                </a:solidFill>
-                <a:latin typeface="Calibri" panose="020F0502020204030204" pitchFamily="34" charset="0"/>
-                <a:ea typeface="微軟正黑體" pitchFamily="34" charset="-120"/>
-                <a:cs typeface="Calibri" panose="020F0502020204030204" pitchFamily="34" charset="0"/>
-              </a:rPr>
-              <a:t>hiển</a:t>
-            </a:r>
-            <a:r>
-              <a:rPr lang="fr-FR" sz="3600" b="1" dirty="0">
-                <a:solidFill>
-                  <a:srgbClr val="000066"/>
-                </a:solidFill>
-                <a:latin typeface="Calibri" panose="020F0502020204030204" pitchFamily="34" charset="0"/>
-                <a:ea typeface="微軟正黑體" pitchFamily="34" charset="-120"/>
-                <a:cs typeface="Calibri" panose="020F0502020204030204" pitchFamily="34" charset="0"/>
-              </a:rPr>
-              <a:t>, </a:t>
-            </a:r>
-            <a:r>
-              <a:rPr lang="fr-FR" sz="3600" b="1" dirty="0" err="1">
-                <a:solidFill>
-                  <a:srgbClr val="000066"/>
-                </a:solidFill>
-                <a:latin typeface="Calibri" panose="020F0502020204030204" pitchFamily="34" charset="0"/>
-                <a:ea typeface="微軟正黑體" pitchFamily="34" charset="-120"/>
-                <a:cs typeface="Calibri" panose="020F0502020204030204" pitchFamily="34" charset="0"/>
-              </a:rPr>
-              <a:t>quyền</a:t>
-            </a:r>
-            <a:r>
-              <a:rPr lang="fr-FR" sz="3600" b="1" dirty="0">
-                <a:solidFill>
-                  <a:srgbClr val="000066"/>
-                </a:solidFill>
-                <a:latin typeface="Calibri" panose="020F0502020204030204" pitchFamily="34" charset="0"/>
-                <a:ea typeface="微軟正黑體" pitchFamily="34" charset="-120"/>
-                <a:cs typeface="Calibri" panose="020F0502020204030204" pitchFamily="34" charset="0"/>
-              </a:rPr>
-              <a:t> </a:t>
-            </a:r>
-            <a:r>
-              <a:rPr lang="fr-FR" sz="3600" b="1" dirty="0" err="1">
-                <a:solidFill>
-                  <a:srgbClr val="000066"/>
-                </a:solidFill>
-                <a:latin typeface="Calibri" panose="020F0502020204030204" pitchFamily="34" charset="0"/>
-                <a:ea typeface="微軟正黑體" pitchFamily="34" charset="-120"/>
-                <a:cs typeface="Calibri" panose="020F0502020204030204" pitchFamily="34" charset="0"/>
-              </a:rPr>
-              <a:t>phép</a:t>
-            </a:r>
-            <a:r>
-              <a:rPr lang="fr-FR" sz="3600" b="1" dirty="0">
-                <a:solidFill>
-                  <a:srgbClr val="000066"/>
-                </a:solidFill>
-                <a:latin typeface="Calibri" panose="020F0502020204030204" pitchFamily="34" charset="0"/>
-                <a:ea typeface="微軟正黑體" pitchFamily="34" charset="-120"/>
-                <a:cs typeface="Calibri" panose="020F0502020204030204" pitchFamily="34" charset="0"/>
-              </a:rPr>
-              <a:t> </a:t>
-            </a:r>
-            <a:r>
-              <a:rPr lang="fr-FR" sz="3600" b="1" dirty="0" err="1">
-                <a:solidFill>
-                  <a:srgbClr val="000066"/>
-                </a:solidFill>
-                <a:latin typeface="Calibri" panose="020F0502020204030204" pitchFamily="34" charset="0"/>
-                <a:ea typeface="微軟正黑體" pitchFamily="34" charset="-120"/>
-                <a:cs typeface="Calibri" panose="020F0502020204030204" pitchFamily="34" charset="0"/>
-              </a:rPr>
-              <a:t>cho</a:t>
-            </a:r>
-            <a:r>
-              <a:rPr lang="fr-FR" sz="3600" b="1" dirty="0">
-                <a:solidFill>
-                  <a:srgbClr val="000066"/>
-                </a:solidFill>
-                <a:latin typeface="Calibri" panose="020F0502020204030204" pitchFamily="34" charset="0"/>
-                <a:ea typeface="微軟正黑體" pitchFamily="34" charset="-120"/>
-                <a:cs typeface="Calibri" panose="020F0502020204030204" pitchFamily="34" charset="0"/>
-              </a:rPr>
-              <a:t> </a:t>
-            </a:r>
-            <a:r>
-              <a:rPr lang="fr-FR" sz="3600" b="1" dirty="0" err="1">
-                <a:solidFill>
-                  <a:srgbClr val="000066"/>
-                </a:solidFill>
-                <a:latin typeface="Calibri" panose="020F0502020204030204" pitchFamily="34" charset="0"/>
-                <a:ea typeface="微軟正黑體" pitchFamily="34" charset="-120"/>
-                <a:cs typeface="Calibri" panose="020F0502020204030204" pitchFamily="34" charset="0"/>
-              </a:rPr>
-              <a:t>đến</a:t>
-            </a:r>
-            <a:r>
-              <a:rPr lang="fr-FR" sz="3600" b="1" dirty="0">
-                <a:solidFill>
-                  <a:srgbClr val="000066"/>
-                </a:solidFill>
-                <a:latin typeface="Calibri" panose="020F0502020204030204" pitchFamily="34" charset="0"/>
-                <a:ea typeface="微軟正黑體" pitchFamily="34" charset="-120"/>
-                <a:cs typeface="Calibri" panose="020F0502020204030204" pitchFamily="34" charset="0"/>
-              </a:rPr>
-              <a:t> </a:t>
-            </a:r>
-            <a:r>
-              <a:rPr lang="fr-FR" sz="3600" b="1" dirty="0" err="1">
-                <a:solidFill>
-                  <a:srgbClr val="000066"/>
-                </a:solidFill>
-                <a:latin typeface="Calibri" panose="020F0502020204030204" pitchFamily="34" charset="0"/>
-                <a:ea typeface="微軟正黑體" pitchFamily="34" charset="-120"/>
-                <a:cs typeface="Calibri" panose="020F0502020204030204" pitchFamily="34" charset="0"/>
-              </a:rPr>
-              <a:t>đời</a:t>
-            </a:r>
-            <a:r>
-              <a:rPr lang="fr-FR" sz="3600" b="1" dirty="0">
-                <a:solidFill>
-                  <a:srgbClr val="000066"/>
-                </a:solidFill>
-                <a:latin typeface="Calibri" panose="020F0502020204030204" pitchFamily="34" charset="0"/>
-                <a:ea typeface="微軟正黑體" pitchFamily="34" charset="-120"/>
-                <a:cs typeface="Calibri" panose="020F0502020204030204" pitchFamily="34" charset="0"/>
-              </a:rPr>
-              <a:t> </a:t>
-            </a:r>
-            <a:r>
-              <a:rPr lang="fr-FR" sz="3600" b="1" dirty="0" err="1">
-                <a:solidFill>
-                  <a:srgbClr val="000066"/>
-                </a:solidFill>
-                <a:latin typeface="Calibri" panose="020F0502020204030204" pitchFamily="34" charset="0"/>
-                <a:ea typeface="微軟正黑體" pitchFamily="34" charset="-120"/>
-                <a:cs typeface="Calibri" panose="020F0502020204030204" pitchFamily="34" charset="0"/>
-              </a:rPr>
-              <a:t>đời</a:t>
-            </a:r>
-            <a:endParaRPr lang="en-US" altLang="zh-TW" sz="3600" b="1" dirty="0">
-              <a:solidFill>
-                <a:srgbClr val="000066"/>
-              </a:solidFill>
-              <a:latin typeface="Calibri" panose="020F0502020204030204" pitchFamily="34" charset="0"/>
-              <a:ea typeface="微軟正黑體" pitchFamily="34" charset="-120"/>
-              <a:cs typeface="Calibri" panose="020F0502020204030204" pitchFamily="34" charset="0"/>
-            </a:endParaRPr>
-          </a:p>
-        </p:txBody>
-      </p:sp>
-    </p:spTree>
-    <p:extLst>
-      <p:ext uri="{BB962C8B-B14F-4D97-AF65-F5344CB8AC3E}">
-        <p14:creationId xmlns:p14="http://schemas.microsoft.com/office/powerpoint/2010/main" val="342887751"/>
-      </p:ext>
-    </p:extLst>
-  </p:cSld>
-  <p:clrMapOvr>
-    <a:masterClrMapping/>
-  </p:clrMapOvr>
-  <p:timing>
-    <p:tnLst>
-      <p:par>
-        <p:cTn id="1" dur="indefinite" restart="never" nodeType="tmRoot"/>
-      </p:par>
-    </p:tnLst>
-  </p:timing>
-</p:sld>
-</file>
-
-<file path=ppt/slides/slide34.xml><?xml version="1.0" encoding="utf-8"?>
 <p:sld xmlns:a="http://schemas.openxmlformats.org/drawingml/2006/main" xmlns:r="http://schemas.openxmlformats.org/officeDocument/2006/relationships" xmlns:p="http://schemas.openxmlformats.org/presentationml/2006/main">
   <p:cSld>
     <p:spTree>
@@ -17879,37 +16238,37 @@
               <a:t> </a:t>
             </a:r>
             <a:r>
-              <a:rPr lang="fr-FR" sz="4000" b="1" dirty="0" err="1">
-                <a:solidFill>
-                  <a:srgbClr val="000066"/>
-                </a:solidFill>
-                <a:latin typeface="Calibri" panose="020F0502020204030204" pitchFamily="34" charset="0"/>
-                <a:ea typeface="微軟正黑體" pitchFamily="34" charset="-120"/>
-                <a:cs typeface="Calibri" panose="020F0502020204030204" pitchFamily="34" charset="0"/>
-              </a:rPr>
-              <a:t>bình</a:t>
-            </a:r>
-            <a:r>
-              <a:rPr lang="fr-FR" sz="4000" b="1" dirty="0">
-                <a:solidFill>
-                  <a:srgbClr val="000066"/>
-                </a:solidFill>
-                <a:latin typeface="Calibri" panose="020F0502020204030204" pitchFamily="34" charset="0"/>
-                <a:ea typeface="微軟正黑體" pitchFamily="34" charset="-120"/>
-                <a:cs typeface="Calibri" panose="020F0502020204030204" pitchFamily="34" charset="0"/>
-              </a:rPr>
-              <a:t> </a:t>
-            </a:r>
-            <a:r>
-              <a:rPr lang="fr-FR" sz="4000" b="1" dirty="0" err="1">
-                <a:solidFill>
-                  <a:srgbClr val="000066"/>
-                </a:solidFill>
-                <a:latin typeface="Calibri" panose="020F0502020204030204" pitchFamily="34" charset="0"/>
-                <a:ea typeface="微軟正黑體" pitchFamily="34" charset="-120"/>
-                <a:cs typeface="Calibri" panose="020F0502020204030204" pitchFamily="34" charset="0"/>
-              </a:rPr>
-              <a:t>minh</a:t>
+              <a:rPr lang="en-US" sz="4000" b="1" dirty="0" err="1">
+                <a:solidFill>
+                  <a:srgbClr val="000066"/>
+                </a:solidFill>
+                <a:latin typeface="Calibri" panose="020F0502020204030204" pitchFamily="34" charset="0"/>
+                <a:ea typeface="微軟正黑體" pitchFamily="34" charset="-120"/>
+                <a:cs typeface="Calibri" panose="020F0502020204030204" pitchFamily="34" charset="0"/>
+              </a:rPr>
+              <a:t>diệu</a:t>
+            </a:r>
+            <a:r>
+              <a:rPr lang="en-US" sz="4000" b="1" dirty="0">
+                <a:solidFill>
+                  <a:srgbClr val="000066"/>
+                </a:solidFill>
+                <a:latin typeface="Calibri" panose="020F0502020204030204" pitchFamily="34" charset="0"/>
+                <a:ea typeface="微軟正黑體" pitchFamily="34" charset="-120"/>
+                <a:cs typeface="Calibri" panose="020F0502020204030204" pitchFamily="34" charset="0"/>
+              </a:rPr>
+              <a:t> </a:t>
+            </a:r>
+            <a:r>
+              <a:rPr lang="en-US" sz="4000" b="1" dirty="0" err="1">
+                <a:solidFill>
+                  <a:srgbClr val="000066"/>
+                </a:solidFill>
+                <a:latin typeface="Calibri" panose="020F0502020204030204" pitchFamily="34" charset="0"/>
+                <a:ea typeface="微軟正黑體" pitchFamily="34" charset="-120"/>
+                <a:cs typeface="Calibri" panose="020F0502020204030204" pitchFamily="34" charset="0"/>
+              </a:rPr>
+              <a:t>vinh</a:t>
             </a:r>
             <a:endParaRPr lang="en-US" altLang="zh-TW" sz="4000" b="1" dirty="0">
               <a:solidFill>
@@ -18210,18 +16569,18 @@
               <a:t> </a:t>
             </a:r>
             <a:r>
-              <a:rPr lang="fr-FR" sz="4000" b="1" dirty="0" err="1">
-                <a:solidFill>
-                  <a:srgbClr val="000066"/>
-                </a:solidFill>
-                <a:latin typeface="Calibri" panose="020F0502020204030204" pitchFamily="34" charset="0"/>
-                <a:ea typeface="微軟正黑體" pitchFamily="34" charset="-120"/>
-                <a:cs typeface="Calibri" panose="020F0502020204030204" pitchFamily="34" charset="0"/>
-              </a:rPr>
-              <a:t>sanh</a:t>
-            </a:r>
-            <a:r>
-              <a:rPr lang="fr-FR" sz="4000" b="1" dirty="0">
+              <a:rPr lang="fr-FR" sz="4000" b="1" dirty="0" err="1" smtClean="0">
+                <a:solidFill>
+                  <a:srgbClr val="000066"/>
+                </a:solidFill>
+                <a:latin typeface="Calibri" panose="020F0502020204030204" pitchFamily="34" charset="0"/>
+                <a:ea typeface="微軟正黑體" pitchFamily="34" charset="-120"/>
+                <a:cs typeface="Calibri" panose="020F0502020204030204" pitchFamily="34" charset="0"/>
+              </a:rPr>
+              <a:t>sinh</a:t>
+            </a:r>
+            <a:r>
+              <a:rPr lang="fr-FR" sz="4000" b="1" dirty="0" smtClean="0">
                 <a:solidFill>
                   <a:srgbClr val="000066"/>
                 </a:solidFill>
@@ -18812,7 +17171,40 @@
                 <a:ea typeface="微軟正黑體" pitchFamily="34" charset="-120"/>
                 <a:cs typeface="Calibri" panose="020F0502020204030204" pitchFamily="34" charset="0"/>
               </a:rPr>
-              <a:t>Ðêm</a:t>
+              <a:t>đ</a:t>
+            </a:r>
+            <a:r>
+              <a:rPr lang="fr-FR" sz="4000" b="1" dirty="0" err="1" smtClean="0">
+                <a:solidFill>
+                  <a:srgbClr val="000066"/>
+                </a:solidFill>
+                <a:latin typeface="Calibri" panose="020F0502020204030204" pitchFamily="34" charset="0"/>
+                <a:ea typeface="微軟正黑體" pitchFamily="34" charset="-120"/>
+                <a:cs typeface="Calibri" panose="020F0502020204030204" pitchFamily="34" charset="0"/>
+              </a:rPr>
+              <a:t>êm</a:t>
+            </a:r>
+            <a:r>
+              <a:rPr lang="fr-FR" sz="4000" b="1" dirty="0">
+                <a:solidFill>
+                  <a:srgbClr val="000066"/>
+                </a:solidFill>
+                <a:latin typeface="Calibri" panose="020F0502020204030204" pitchFamily="34" charset="0"/>
+                <a:ea typeface="微軟正黑體" pitchFamily="34" charset="-120"/>
+                <a:cs typeface="Calibri" panose="020F0502020204030204" pitchFamily="34" charset="0"/>
+              </a:rPr>
+              <a:t> </a:t>
+            </a:r>
+            <a:r>
+              <a:rPr lang="fr-FR" sz="4000" b="1" dirty="0" err="1">
+                <a:solidFill>
+                  <a:srgbClr val="000066"/>
+                </a:solidFill>
+                <a:latin typeface="Calibri" panose="020F0502020204030204" pitchFamily="34" charset="0"/>
+                <a:ea typeface="微軟正黑體" pitchFamily="34" charset="-120"/>
+                <a:cs typeface="Calibri" panose="020F0502020204030204" pitchFamily="34" charset="0"/>
+              </a:rPr>
+              <a:t>hòa</a:t>
             </a:r>
             <a:r>
               <a:rPr lang="fr-FR" sz="4000" b="1" dirty="0">
@@ -18837,29 +17229,7 @@
               <a:t>bình</a:t>
             </a:r>
             <a:r>
-              <a:rPr lang="fr-FR" sz="4000" b="1" dirty="0">
-                <a:solidFill>
-                  <a:srgbClr val="000066"/>
-                </a:solidFill>
-                <a:latin typeface="Calibri" panose="020F0502020204030204" pitchFamily="34" charset="0"/>
-                <a:ea typeface="微軟正黑體" pitchFamily="34" charset="-120"/>
-                <a:cs typeface="Calibri" panose="020F0502020204030204" pitchFamily="34" charset="0"/>
-              </a:rPr>
-              <a:t> </a:t>
-            </a:r>
-            <a:r>
-              <a:rPr lang="fr-FR" sz="4000" b="1" dirty="0" err="1">
-                <a:solidFill>
-                  <a:srgbClr val="000066"/>
-                </a:solidFill>
-                <a:latin typeface="Calibri" panose="020F0502020204030204" pitchFamily="34" charset="0"/>
-                <a:ea typeface="微軟正黑體" pitchFamily="34" charset="-120"/>
-                <a:cs typeface="Calibri" panose="020F0502020204030204" pitchFamily="34" charset="0"/>
-              </a:rPr>
-              <a:t>hòa</a:t>
-            </a:r>
-            <a:r>
-              <a:rPr lang="fr-FR" sz="4000" b="1" dirty="0">
+              <a:rPr lang="fr-FR" sz="4000" b="1" dirty="0" smtClean="0">
                 <a:solidFill>
                   <a:srgbClr val="000066"/>
                 </a:solidFill>
